--- a/Vuletic.pptx
+++ b/Vuletic.pptx
@@ -8,12 +8,13 @@
     <p:sldId id="256" r:id="rId2"/>
     <p:sldId id="257" r:id="rId3"/>
     <p:sldId id="258" r:id="rId4"/>
-    <p:sldId id="259" r:id="rId5"/>
-    <p:sldId id="260" r:id="rId6"/>
-    <p:sldId id="261" r:id="rId7"/>
-    <p:sldId id="262" r:id="rId8"/>
-    <p:sldId id="263" r:id="rId9"/>
-    <p:sldId id="264" r:id="rId10"/>
+    <p:sldId id="265" r:id="rId5"/>
+    <p:sldId id="259" r:id="rId6"/>
+    <p:sldId id="260" r:id="rId7"/>
+    <p:sldId id="261" r:id="rId8"/>
+    <p:sldId id="262" r:id="rId9"/>
+    <p:sldId id="263" r:id="rId10"/>
+    <p:sldId id="264" r:id="rId11"/>
   </p:sldIdLst>
   <p:sldSz cx="12192000" cy="6858000"/>
   <p:notesSz cx="6858000" cy="9144000"/>
@@ -253,7 +254,7 @@
           <a:p>
             <a:fld id="{C128FA71-3A18-48C0-980F-4B68F7F63042}" type="datetime1">
               <a:rPr lang="en-US" smtClean="0"/>
-              <a:t>2/3/2026</a:t>
+              <a:t>2/6/2026</a:t>
             </a:fld>
             <a:endParaRPr lang="en-US"/>
           </a:p>
@@ -540,7 +541,7 @@
           <a:p>
             <a:fld id="{67F45AC6-C491-4585-A584-9CE2AF7D5500}" type="datetime1">
               <a:rPr lang="en-US" smtClean="0"/>
-              <a:t>2/3/2026</a:t>
+              <a:t>2/6/2026</a:t>
             </a:fld>
             <a:endParaRPr lang="en-US"/>
           </a:p>
@@ -733,7 +734,7 @@
           <a:p>
             <a:fld id="{67F45AC6-C491-4585-A584-9CE2AF7D5500}" type="datetime1">
               <a:rPr lang="en-US" smtClean="0"/>
-              <a:t>2/3/2026</a:t>
+              <a:t>2/6/2026</a:t>
             </a:fld>
             <a:endParaRPr lang="en-US"/>
           </a:p>
@@ -995,7 +996,7 @@
           <a:p>
             <a:fld id="{67F45AC6-C491-4585-A584-9CE2AF7D5500}" type="datetime1">
               <a:rPr lang="en-US" smtClean="0"/>
-              <a:t>2/3/2026</a:t>
+              <a:t>2/6/2026</a:t>
             </a:fld>
             <a:endParaRPr lang="en-US"/>
           </a:p>
@@ -1420,7 +1421,7 @@
           <a:p>
             <a:fld id="{67F45AC6-C491-4585-A584-9CE2AF7D5500}" type="datetime1">
               <a:rPr lang="en-US" smtClean="0"/>
-              <a:t>2/3/2026</a:t>
+              <a:t>2/6/2026</a:t>
             </a:fld>
             <a:endParaRPr lang="en-US"/>
           </a:p>
@@ -1967,7 +1968,7 @@
           <a:p>
             <a:fld id="{67F45AC6-C491-4585-A584-9CE2AF7D5500}" type="datetime1">
               <a:rPr lang="en-US" smtClean="0"/>
-              <a:t>2/3/2026</a:t>
+              <a:t>2/6/2026</a:t>
             </a:fld>
             <a:endParaRPr lang="en-US"/>
           </a:p>
@@ -2808,7 +2809,7 @@
           <a:p>
             <a:fld id="{67F45AC6-C491-4585-A584-9CE2AF7D5500}" type="datetime1">
               <a:rPr lang="en-US" smtClean="0"/>
-              <a:t>2/3/2026</a:t>
+              <a:t>2/6/2026</a:t>
             </a:fld>
             <a:endParaRPr lang="en-US"/>
           </a:p>
@@ -2979,7 +2980,7 @@
           <a:p>
             <a:fld id="{7104EDB3-C0E8-45F8-9E1D-1B6C8D1880C0}" type="datetime1">
               <a:rPr lang="en-US" smtClean="0"/>
-              <a:t>2/3/2026</a:t>
+              <a:t>2/6/2026</a:t>
             </a:fld>
             <a:endParaRPr lang="en-US"/>
           </a:p>
@@ -3163,7 +3164,7 @@
           <a:p>
             <a:fld id="{9CF0EC4B-54ED-4041-B552-9BA760FA3DBA}" type="datetime1">
               <a:rPr lang="en-US" smtClean="0"/>
-              <a:t>2/3/2026</a:t>
+              <a:t>2/6/2026</a:t>
             </a:fld>
             <a:endParaRPr lang="en-US"/>
           </a:p>
@@ -3333,7 +3334,7 @@
           <a:p>
             <a:fld id="{51C1210E-201E-4473-82AC-2466F5386C38}" type="datetime1">
               <a:rPr lang="en-US" smtClean="0"/>
-              <a:t>2/3/2026</a:t>
+              <a:t>2/6/2026</a:t>
             </a:fld>
             <a:endParaRPr lang="en-US"/>
           </a:p>
@@ -3581,7 +3582,7 @@
           <a:p>
             <a:fld id="{B01EA198-6CAB-4B8F-B93F-1F9C8C4B6CE7}" type="datetime1">
               <a:rPr lang="en-US" smtClean="0"/>
-              <a:t>2/3/2026</a:t>
+              <a:t>2/6/2026</a:t>
             </a:fld>
             <a:endParaRPr lang="en-US"/>
           </a:p>
@@ -3818,7 +3819,7 @@
           <a:p>
             <a:fld id="{CA06041F-4525-44D5-AA4F-332294BF1F56}" type="datetime1">
               <a:rPr lang="en-US" smtClean="0"/>
-              <a:t>2/3/2026</a:t>
+              <a:t>2/6/2026</a:t>
             </a:fld>
             <a:endParaRPr lang="en-US"/>
           </a:p>
@@ -4191,7 +4192,7 @@
           <a:p>
             <a:fld id="{F9557091-BBDF-4EB9-BA6B-2BB67AC4FC0F}" type="datetime1">
               <a:rPr lang="en-US" smtClean="0"/>
-              <a:t>2/3/2026</a:t>
+              <a:t>2/6/2026</a:t>
             </a:fld>
             <a:endParaRPr lang="en-US"/>
           </a:p>
@@ -4309,7 +4310,7 @@
           <a:p>
             <a:fld id="{2D6B226B-77A6-410C-9796-083F278E0125}" type="datetime1">
               <a:rPr lang="en-US" smtClean="0"/>
-              <a:t>2/3/2026</a:t>
+              <a:t>2/6/2026</a:t>
             </a:fld>
             <a:endParaRPr lang="en-US"/>
           </a:p>
@@ -4404,7 +4405,7 @@
           <a:p>
             <a:fld id="{A23A578B-D289-4C40-8593-3D356C49DA58}" type="datetime1">
               <a:rPr lang="en-US" smtClean="0"/>
-              <a:t>2/3/2026</a:t>
+              <a:t>2/6/2026</a:t>
             </a:fld>
             <a:endParaRPr lang="en-US"/>
           </a:p>
@@ -4655,7 +4656,7 @@
           <a:p>
             <a:fld id="{713DFAE3-14DB-48A7-A80F-80DDB072CE3D}" type="datetime1">
               <a:rPr lang="en-US" smtClean="0"/>
-              <a:t>2/3/2026</a:t>
+              <a:t>2/6/2026</a:t>
             </a:fld>
             <a:endParaRPr lang="en-US"/>
           </a:p>
@@ -4942,7 +4943,7 @@
           <a:p>
             <a:fld id="{92C5EAEF-6478-4102-8F5D-A5FE9FC97ACB}" type="datetime1">
               <a:rPr lang="en-US" smtClean="0"/>
-              <a:t>2/3/2026</a:t>
+              <a:t>2/6/2026</a:t>
             </a:fld>
             <a:endParaRPr lang="en-US"/>
           </a:p>
@@ -5155,7 +5156,7 @@
           <a:p>
             <a:fld id="{67F45AC6-C491-4585-A584-9CE2AF7D5500}" type="datetime1">
               <a:rPr lang="en-US" smtClean="0"/>
-              <a:t>2/3/2026</a:t>
+              <a:t>2/6/2026</a:t>
             </a:fld>
             <a:endParaRPr lang="en-US"/>
           </a:p>
@@ -5943,6 +5944,974 @@
 </p:sld>
 </file>
 
+<file path=ppt/slides/slide10.xml><?xml version="1.0" encoding="utf-8"?>
+<p:sld xmlns:a="http://schemas.openxmlformats.org/drawingml/2006/main" xmlns:r="http://schemas.openxmlformats.org/officeDocument/2006/relationships" xmlns:p="http://schemas.openxmlformats.org/presentationml/2006/main">
+  <p:cSld>
+    <p:spTree>
+      <p:nvGrpSpPr>
+        <p:cNvPr id="1" name=""/>
+        <p:cNvGrpSpPr/>
+        <p:nvPr/>
+      </p:nvGrpSpPr>
+      <p:grpSpPr>
+        <a:xfrm>
+          <a:off x="0" y="0"/>
+          <a:ext cx="0" cy="0"/>
+          <a:chOff x="0" y="0"/>
+          <a:chExt cx="0" cy="0"/>
+        </a:xfrm>
+      </p:grpSpPr>
+      <p:sp>
+        <p:nvSpPr>
+          <p:cNvPr id="2" name="Title 1">
+            <a:extLst>
+              <a:ext uri="{FF2B5EF4-FFF2-40B4-BE49-F238E27FC236}">
+                <a16:creationId xmlns:a16="http://schemas.microsoft.com/office/drawing/2014/main" id="{F1B581D7-8D60-4493-9524-E52A84A72BE0}"/>
+              </a:ext>
+            </a:extLst>
+          </p:cNvPr>
+          <p:cNvSpPr>
+            <a:spLocks noGrp="1"/>
+          </p:cNvSpPr>
+          <p:nvPr>
+            <p:ph type="title"/>
+          </p:nvPr>
+        </p:nvSpPr>
+        <p:spPr/>
+        <p:txBody>
+          <a:bodyPr>
+            <a:normAutofit/>
+          </a:bodyPr>
+          <a:lstStyle/>
+          <a:p>
+            <a:r>
+              <a:rPr lang="hr-HR" sz="3500" dirty="0">
+                <a:latin typeface="Arial" panose="020B0604020202020204" pitchFamily="34" charset="0"/>
+                <a:cs typeface="Arial" panose="020B0604020202020204" pitchFamily="34" charset="0"/>
+              </a:rPr>
+              <a:t>Zaključak</a:t>
+            </a:r>
+          </a:p>
+        </p:txBody>
+      </p:sp>
+      <p:sp>
+        <p:nvSpPr>
+          <p:cNvPr id="3" name="Content Placeholder 2">
+            <a:extLst>
+              <a:ext uri="{FF2B5EF4-FFF2-40B4-BE49-F238E27FC236}">
+                <a16:creationId xmlns:a16="http://schemas.microsoft.com/office/drawing/2014/main" id="{241A8D7B-A14C-C41F-1785-DE130D423972}"/>
+              </a:ext>
+            </a:extLst>
+          </p:cNvPr>
+          <p:cNvSpPr>
+            <a:spLocks noGrp="1"/>
+          </p:cNvSpPr>
+          <p:nvPr>
+            <p:ph sz="half" idx="1"/>
+          </p:nvPr>
+        </p:nvSpPr>
+        <p:spPr/>
+        <p:txBody>
+          <a:bodyPr/>
+          <a:lstStyle/>
+          <a:p>
+            <a:pPr marL="360000" indent="-360000">
+              <a:lnSpc>
+                <a:spcPct val="150000"/>
+              </a:lnSpc>
+            </a:pPr>
+            <a:r>
+              <a:rPr lang="hr-HR" dirty="0">
+                <a:latin typeface="Arial" panose="020B0604020202020204" pitchFamily="34" charset="0"/>
+                <a:cs typeface="Arial" panose="020B0604020202020204" pitchFamily="34" charset="0"/>
+              </a:rPr>
+              <a:t>PREDNOSTI</a:t>
+            </a:r>
+          </a:p>
+          <a:p>
+            <a:pPr marL="817200" lvl="1" indent="-360000">
+              <a:lnSpc>
+                <a:spcPct val="150000"/>
+              </a:lnSpc>
+            </a:pPr>
+            <a:r>
+              <a:rPr lang="hr-HR" sz="1600" dirty="0">
+                <a:latin typeface="Arial" panose="020B0604020202020204" pitchFamily="34" charset="0"/>
+                <a:cs typeface="Arial" panose="020B0604020202020204" pitchFamily="34" charset="0"/>
+              </a:rPr>
+              <a:t>Interpretabilan pristup</a:t>
+            </a:r>
+          </a:p>
+          <a:p>
+            <a:pPr marL="817200" lvl="1" indent="-360000">
+              <a:lnSpc>
+                <a:spcPct val="150000"/>
+              </a:lnSpc>
+            </a:pPr>
+            <a:r>
+              <a:rPr lang="hr-HR" sz="1600" dirty="0">
+                <a:latin typeface="Arial" panose="020B0604020202020204" pitchFamily="34" charset="0"/>
+                <a:cs typeface="Arial" panose="020B0604020202020204" pitchFamily="34" charset="0"/>
+              </a:rPr>
+              <a:t>Jednostavna implementacija</a:t>
+            </a:r>
+          </a:p>
+          <a:p>
+            <a:pPr marL="817200" lvl="1" indent="-360000">
+              <a:lnSpc>
+                <a:spcPct val="150000"/>
+              </a:lnSpc>
+            </a:pPr>
+            <a:r>
+              <a:rPr lang="hr-HR" sz="1600" dirty="0">
+                <a:latin typeface="Arial" panose="020B0604020202020204" pitchFamily="34" charset="0"/>
+                <a:cs typeface="Arial" panose="020B0604020202020204" pitchFamily="34" charset="0"/>
+              </a:rPr>
+              <a:t>Bez potrebnog učenja</a:t>
+            </a:r>
+          </a:p>
+        </p:txBody>
+      </p:sp>
+      <p:sp>
+        <p:nvSpPr>
+          <p:cNvPr id="4" name="Content Placeholder 3">
+            <a:extLst>
+              <a:ext uri="{FF2B5EF4-FFF2-40B4-BE49-F238E27FC236}">
+                <a16:creationId xmlns:a16="http://schemas.microsoft.com/office/drawing/2014/main" id="{618D94E1-3319-46A5-9E67-2E2CCDDBA587}"/>
+              </a:ext>
+            </a:extLst>
+          </p:cNvPr>
+          <p:cNvSpPr>
+            <a:spLocks noGrp="1"/>
+          </p:cNvSpPr>
+          <p:nvPr>
+            <p:ph sz="half" idx="2"/>
+          </p:nvPr>
+        </p:nvSpPr>
+        <p:spPr/>
+        <p:txBody>
+          <a:bodyPr/>
+          <a:lstStyle/>
+          <a:p>
+            <a:pPr marL="360000" indent="-360000">
+              <a:lnSpc>
+                <a:spcPct val="150000"/>
+              </a:lnSpc>
+            </a:pPr>
+            <a:r>
+              <a:rPr lang="hr-HR" dirty="0">
+                <a:latin typeface="Arial" panose="020B0604020202020204" pitchFamily="34" charset="0"/>
+                <a:cs typeface="Arial" panose="020B0604020202020204" pitchFamily="34" charset="0"/>
+              </a:rPr>
+              <a:t>NEDOSTATCI</a:t>
+            </a:r>
+          </a:p>
+          <a:p>
+            <a:pPr marL="817200" lvl="1" indent="-360000">
+              <a:lnSpc>
+                <a:spcPct val="150000"/>
+              </a:lnSpc>
+            </a:pPr>
+            <a:r>
+              <a:rPr lang="hr-HR" sz="1600" dirty="0">
+                <a:latin typeface="Arial" panose="020B0604020202020204" pitchFamily="34" charset="0"/>
+                <a:cs typeface="Arial" panose="020B0604020202020204" pitchFamily="34" charset="0"/>
+              </a:rPr>
+              <a:t>Slaba generalizacija</a:t>
+            </a:r>
+          </a:p>
+          <a:p>
+            <a:pPr marL="817200" lvl="1" indent="-360000">
+              <a:lnSpc>
+                <a:spcPct val="150000"/>
+              </a:lnSpc>
+            </a:pPr>
+            <a:r>
+              <a:rPr lang="hr-HR" sz="1600" dirty="0">
+                <a:latin typeface="Arial" panose="020B0604020202020204" pitchFamily="34" charset="0"/>
+                <a:cs typeface="Arial" panose="020B0604020202020204" pitchFamily="34" charset="0"/>
+              </a:rPr>
+              <a:t>Ručno podešavanje</a:t>
+            </a:r>
+          </a:p>
+          <a:p>
+            <a:pPr marL="817200" lvl="1" indent="-360000">
+              <a:lnSpc>
+                <a:spcPct val="150000"/>
+              </a:lnSpc>
+            </a:pPr>
+            <a:r>
+              <a:rPr lang="hr-HR" sz="1600" dirty="0">
+                <a:latin typeface="Arial" panose="020B0604020202020204" pitchFamily="34" charset="0"/>
+                <a:cs typeface="Arial" panose="020B0604020202020204" pitchFamily="34" charset="0"/>
+              </a:rPr>
+              <a:t>Osjetljiv na parametre</a:t>
+            </a:r>
+          </a:p>
+        </p:txBody>
+      </p:sp>
+    </p:spTree>
+    <p:extLst>
+      <p:ext uri="{BB962C8B-B14F-4D97-AF65-F5344CB8AC3E}">
+        <p14:creationId xmlns:p14="http://schemas.microsoft.com/office/powerpoint/2010/main" val="135785134"/>
+      </p:ext>
+    </p:extLst>
+  </p:cSld>
+  <p:clrMapOvr>
+    <a:masterClrMapping/>
+  </p:clrMapOvr>
+  <p:transition spd="slow">
+    <p:wipe/>
+  </p:transition>
+  <p:timing>
+    <p:tnLst>
+      <p:par>
+        <p:cTn id="1" dur="indefinite" restart="never" nodeType="tmRoot">
+          <p:childTnLst>
+            <p:seq concurrent="1" nextAc="seek">
+              <p:cTn id="2" dur="indefinite" nodeType="mainSeq">
+                <p:childTnLst>
+                  <p:par>
+                    <p:cTn id="3" fill="hold">
+                      <p:stCondLst>
+                        <p:cond delay="indefinite"/>
+                      </p:stCondLst>
+                      <p:childTnLst>
+                        <p:par>
+                          <p:cTn id="4" fill="hold">
+                            <p:stCondLst>
+                              <p:cond delay="0"/>
+                            </p:stCondLst>
+                            <p:childTnLst>
+                              <p:par>
+                                <p:cTn id="5" presetID="2" presetClass="entr" presetSubtype="4" fill="hold" nodeType="clickEffect">
+                                  <p:stCondLst>
+                                    <p:cond delay="0"/>
+                                  </p:stCondLst>
+                                  <p:childTnLst>
+                                    <p:set>
+                                      <p:cBhvr>
+                                        <p:cTn id="6" dur="1" fill="hold">
+                                          <p:stCondLst>
+                                            <p:cond delay="0"/>
+                                          </p:stCondLst>
+                                        </p:cTn>
+                                        <p:tgtEl>
+                                          <p:spTgt spid="3">
+                                            <p:txEl>
+                                              <p:pRg st="0" end="0"/>
+                                            </p:txEl>
+                                          </p:spTgt>
+                                        </p:tgtEl>
+                                        <p:attrNameLst>
+                                          <p:attrName>style.visibility</p:attrName>
+                                        </p:attrNameLst>
+                                      </p:cBhvr>
+                                      <p:to>
+                                        <p:strVal val="visible"/>
+                                      </p:to>
+                                    </p:set>
+                                    <p:anim calcmode="lin" valueType="num">
+                                      <p:cBhvr additive="base">
+                                        <p:cTn id="7" dur="500" fill="hold"/>
+                                        <p:tgtEl>
+                                          <p:spTgt spid="3">
+                                            <p:txEl>
+                                              <p:pRg st="0" end="0"/>
+                                            </p:txEl>
+                                          </p:spTgt>
+                                        </p:tgtEl>
+                                        <p:attrNameLst>
+                                          <p:attrName>ppt_x</p:attrName>
+                                        </p:attrNameLst>
+                                      </p:cBhvr>
+                                      <p:tavLst>
+                                        <p:tav tm="0">
+                                          <p:val>
+                                            <p:strVal val="#ppt_x"/>
+                                          </p:val>
+                                        </p:tav>
+                                        <p:tav tm="100000">
+                                          <p:val>
+                                            <p:strVal val="#ppt_x"/>
+                                          </p:val>
+                                        </p:tav>
+                                      </p:tavLst>
+                                    </p:anim>
+                                    <p:anim calcmode="lin" valueType="num">
+                                      <p:cBhvr additive="base">
+                                        <p:cTn id="8" dur="500" fill="hold"/>
+                                        <p:tgtEl>
+                                          <p:spTgt spid="3">
+                                            <p:txEl>
+                                              <p:pRg st="0" end="0"/>
+                                            </p:txEl>
+                                          </p:spTgt>
+                                        </p:tgtEl>
+                                        <p:attrNameLst>
+                                          <p:attrName>ppt_y</p:attrName>
+                                        </p:attrNameLst>
+                                      </p:cBhvr>
+                                      <p:tavLst>
+                                        <p:tav tm="0">
+                                          <p:val>
+                                            <p:strVal val="1+#ppt_h/2"/>
+                                          </p:val>
+                                        </p:tav>
+                                        <p:tav tm="100000">
+                                          <p:val>
+                                            <p:strVal val="#ppt_y"/>
+                                          </p:val>
+                                        </p:tav>
+                                      </p:tavLst>
+                                    </p:anim>
+                                  </p:childTnLst>
+                                </p:cTn>
+                              </p:par>
+                              <p:par>
+                                <p:cTn id="9" presetID="2" presetClass="entr" presetSubtype="4" fill="hold" nodeType="withEffect">
+                                  <p:stCondLst>
+                                    <p:cond delay="0"/>
+                                  </p:stCondLst>
+                                  <p:childTnLst>
+                                    <p:set>
+                                      <p:cBhvr>
+                                        <p:cTn id="10" dur="1" fill="hold">
+                                          <p:stCondLst>
+                                            <p:cond delay="0"/>
+                                          </p:stCondLst>
+                                        </p:cTn>
+                                        <p:tgtEl>
+                                          <p:spTgt spid="3">
+                                            <p:txEl>
+                                              <p:pRg st="1" end="1"/>
+                                            </p:txEl>
+                                          </p:spTgt>
+                                        </p:tgtEl>
+                                        <p:attrNameLst>
+                                          <p:attrName>style.visibility</p:attrName>
+                                        </p:attrNameLst>
+                                      </p:cBhvr>
+                                      <p:to>
+                                        <p:strVal val="visible"/>
+                                      </p:to>
+                                    </p:set>
+                                    <p:anim calcmode="lin" valueType="num">
+                                      <p:cBhvr additive="base">
+                                        <p:cTn id="11" dur="500" fill="hold"/>
+                                        <p:tgtEl>
+                                          <p:spTgt spid="3">
+                                            <p:txEl>
+                                              <p:pRg st="1" end="1"/>
+                                            </p:txEl>
+                                          </p:spTgt>
+                                        </p:tgtEl>
+                                        <p:attrNameLst>
+                                          <p:attrName>ppt_x</p:attrName>
+                                        </p:attrNameLst>
+                                      </p:cBhvr>
+                                      <p:tavLst>
+                                        <p:tav tm="0">
+                                          <p:val>
+                                            <p:strVal val="#ppt_x"/>
+                                          </p:val>
+                                        </p:tav>
+                                        <p:tav tm="100000">
+                                          <p:val>
+                                            <p:strVal val="#ppt_x"/>
+                                          </p:val>
+                                        </p:tav>
+                                      </p:tavLst>
+                                    </p:anim>
+                                    <p:anim calcmode="lin" valueType="num">
+                                      <p:cBhvr additive="base">
+                                        <p:cTn id="12" dur="500" fill="hold"/>
+                                        <p:tgtEl>
+                                          <p:spTgt spid="3">
+                                            <p:txEl>
+                                              <p:pRg st="1" end="1"/>
+                                            </p:txEl>
+                                          </p:spTgt>
+                                        </p:tgtEl>
+                                        <p:attrNameLst>
+                                          <p:attrName>ppt_y</p:attrName>
+                                        </p:attrNameLst>
+                                      </p:cBhvr>
+                                      <p:tavLst>
+                                        <p:tav tm="0">
+                                          <p:val>
+                                            <p:strVal val="1+#ppt_h/2"/>
+                                          </p:val>
+                                        </p:tav>
+                                        <p:tav tm="100000">
+                                          <p:val>
+                                            <p:strVal val="#ppt_y"/>
+                                          </p:val>
+                                        </p:tav>
+                                      </p:tavLst>
+                                    </p:anim>
+                                  </p:childTnLst>
+                                </p:cTn>
+                              </p:par>
+                              <p:par>
+                                <p:cTn id="13" presetID="2" presetClass="entr" presetSubtype="4" fill="hold" nodeType="withEffect">
+                                  <p:stCondLst>
+                                    <p:cond delay="0"/>
+                                  </p:stCondLst>
+                                  <p:childTnLst>
+                                    <p:set>
+                                      <p:cBhvr>
+                                        <p:cTn id="14" dur="1" fill="hold">
+                                          <p:stCondLst>
+                                            <p:cond delay="0"/>
+                                          </p:stCondLst>
+                                        </p:cTn>
+                                        <p:tgtEl>
+                                          <p:spTgt spid="3">
+                                            <p:txEl>
+                                              <p:pRg st="2" end="2"/>
+                                            </p:txEl>
+                                          </p:spTgt>
+                                        </p:tgtEl>
+                                        <p:attrNameLst>
+                                          <p:attrName>style.visibility</p:attrName>
+                                        </p:attrNameLst>
+                                      </p:cBhvr>
+                                      <p:to>
+                                        <p:strVal val="visible"/>
+                                      </p:to>
+                                    </p:set>
+                                    <p:anim calcmode="lin" valueType="num">
+                                      <p:cBhvr additive="base">
+                                        <p:cTn id="15" dur="500" fill="hold"/>
+                                        <p:tgtEl>
+                                          <p:spTgt spid="3">
+                                            <p:txEl>
+                                              <p:pRg st="2" end="2"/>
+                                            </p:txEl>
+                                          </p:spTgt>
+                                        </p:tgtEl>
+                                        <p:attrNameLst>
+                                          <p:attrName>ppt_x</p:attrName>
+                                        </p:attrNameLst>
+                                      </p:cBhvr>
+                                      <p:tavLst>
+                                        <p:tav tm="0">
+                                          <p:val>
+                                            <p:strVal val="#ppt_x"/>
+                                          </p:val>
+                                        </p:tav>
+                                        <p:tav tm="100000">
+                                          <p:val>
+                                            <p:strVal val="#ppt_x"/>
+                                          </p:val>
+                                        </p:tav>
+                                      </p:tavLst>
+                                    </p:anim>
+                                    <p:anim calcmode="lin" valueType="num">
+                                      <p:cBhvr additive="base">
+                                        <p:cTn id="16" dur="500" fill="hold"/>
+                                        <p:tgtEl>
+                                          <p:spTgt spid="3">
+                                            <p:txEl>
+                                              <p:pRg st="2" end="2"/>
+                                            </p:txEl>
+                                          </p:spTgt>
+                                        </p:tgtEl>
+                                        <p:attrNameLst>
+                                          <p:attrName>ppt_y</p:attrName>
+                                        </p:attrNameLst>
+                                      </p:cBhvr>
+                                      <p:tavLst>
+                                        <p:tav tm="0">
+                                          <p:val>
+                                            <p:strVal val="1+#ppt_h/2"/>
+                                          </p:val>
+                                        </p:tav>
+                                        <p:tav tm="100000">
+                                          <p:val>
+                                            <p:strVal val="#ppt_y"/>
+                                          </p:val>
+                                        </p:tav>
+                                      </p:tavLst>
+                                    </p:anim>
+                                  </p:childTnLst>
+                                </p:cTn>
+                              </p:par>
+                              <p:par>
+                                <p:cTn id="17" presetID="2" presetClass="entr" presetSubtype="4" fill="hold" nodeType="withEffect">
+                                  <p:stCondLst>
+                                    <p:cond delay="0"/>
+                                  </p:stCondLst>
+                                  <p:childTnLst>
+                                    <p:set>
+                                      <p:cBhvr>
+                                        <p:cTn id="18" dur="1" fill="hold">
+                                          <p:stCondLst>
+                                            <p:cond delay="0"/>
+                                          </p:stCondLst>
+                                        </p:cTn>
+                                        <p:tgtEl>
+                                          <p:spTgt spid="3">
+                                            <p:txEl>
+                                              <p:pRg st="3" end="3"/>
+                                            </p:txEl>
+                                          </p:spTgt>
+                                        </p:tgtEl>
+                                        <p:attrNameLst>
+                                          <p:attrName>style.visibility</p:attrName>
+                                        </p:attrNameLst>
+                                      </p:cBhvr>
+                                      <p:to>
+                                        <p:strVal val="visible"/>
+                                      </p:to>
+                                    </p:set>
+                                    <p:anim calcmode="lin" valueType="num">
+                                      <p:cBhvr additive="base">
+                                        <p:cTn id="19" dur="500" fill="hold"/>
+                                        <p:tgtEl>
+                                          <p:spTgt spid="3">
+                                            <p:txEl>
+                                              <p:pRg st="3" end="3"/>
+                                            </p:txEl>
+                                          </p:spTgt>
+                                        </p:tgtEl>
+                                        <p:attrNameLst>
+                                          <p:attrName>ppt_x</p:attrName>
+                                        </p:attrNameLst>
+                                      </p:cBhvr>
+                                      <p:tavLst>
+                                        <p:tav tm="0">
+                                          <p:val>
+                                            <p:strVal val="#ppt_x"/>
+                                          </p:val>
+                                        </p:tav>
+                                        <p:tav tm="100000">
+                                          <p:val>
+                                            <p:strVal val="#ppt_x"/>
+                                          </p:val>
+                                        </p:tav>
+                                      </p:tavLst>
+                                    </p:anim>
+                                    <p:anim calcmode="lin" valueType="num">
+                                      <p:cBhvr additive="base">
+                                        <p:cTn id="20" dur="500" fill="hold"/>
+                                        <p:tgtEl>
+                                          <p:spTgt spid="3">
+                                            <p:txEl>
+                                              <p:pRg st="3" end="3"/>
+                                            </p:txEl>
+                                          </p:spTgt>
+                                        </p:tgtEl>
+                                        <p:attrNameLst>
+                                          <p:attrName>ppt_y</p:attrName>
+                                        </p:attrNameLst>
+                                      </p:cBhvr>
+                                      <p:tavLst>
+                                        <p:tav tm="0">
+                                          <p:val>
+                                            <p:strVal val="1+#ppt_h/2"/>
+                                          </p:val>
+                                        </p:tav>
+                                        <p:tav tm="100000">
+                                          <p:val>
+                                            <p:strVal val="#ppt_y"/>
+                                          </p:val>
+                                        </p:tav>
+                                      </p:tavLst>
+                                    </p:anim>
+                                  </p:childTnLst>
+                                </p:cTn>
+                              </p:par>
+                            </p:childTnLst>
+                          </p:cTn>
+                        </p:par>
+                      </p:childTnLst>
+                    </p:cTn>
+                  </p:par>
+                  <p:par>
+                    <p:cTn id="21" fill="hold">
+                      <p:stCondLst>
+                        <p:cond delay="indefinite"/>
+                      </p:stCondLst>
+                      <p:childTnLst>
+                        <p:par>
+                          <p:cTn id="22" fill="hold">
+                            <p:stCondLst>
+                              <p:cond delay="0"/>
+                            </p:stCondLst>
+                            <p:childTnLst>
+                              <p:par>
+                                <p:cTn id="23" presetID="2" presetClass="entr" presetSubtype="4" fill="hold" nodeType="clickEffect">
+                                  <p:stCondLst>
+                                    <p:cond delay="0"/>
+                                  </p:stCondLst>
+                                  <p:childTnLst>
+                                    <p:set>
+                                      <p:cBhvr>
+                                        <p:cTn id="24" dur="1" fill="hold">
+                                          <p:stCondLst>
+                                            <p:cond delay="0"/>
+                                          </p:stCondLst>
+                                        </p:cTn>
+                                        <p:tgtEl>
+                                          <p:spTgt spid="4">
+                                            <p:txEl>
+                                              <p:pRg st="0" end="0"/>
+                                            </p:txEl>
+                                          </p:spTgt>
+                                        </p:tgtEl>
+                                        <p:attrNameLst>
+                                          <p:attrName>style.visibility</p:attrName>
+                                        </p:attrNameLst>
+                                      </p:cBhvr>
+                                      <p:to>
+                                        <p:strVal val="visible"/>
+                                      </p:to>
+                                    </p:set>
+                                    <p:anim calcmode="lin" valueType="num">
+                                      <p:cBhvr additive="base">
+                                        <p:cTn id="25" dur="500" fill="hold"/>
+                                        <p:tgtEl>
+                                          <p:spTgt spid="4">
+                                            <p:txEl>
+                                              <p:pRg st="0" end="0"/>
+                                            </p:txEl>
+                                          </p:spTgt>
+                                        </p:tgtEl>
+                                        <p:attrNameLst>
+                                          <p:attrName>ppt_x</p:attrName>
+                                        </p:attrNameLst>
+                                      </p:cBhvr>
+                                      <p:tavLst>
+                                        <p:tav tm="0">
+                                          <p:val>
+                                            <p:strVal val="#ppt_x"/>
+                                          </p:val>
+                                        </p:tav>
+                                        <p:tav tm="100000">
+                                          <p:val>
+                                            <p:strVal val="#ppt_x"/>
+                                          </p:val>
+                                        </p:tav>
+                                      </p:tavLst>
+                                    </p:anim>
+                                    <p:anim calcmode="lin" valueType="num">
+                                      <p:cBhvr additive="base">
+                                        <p:cTn id="26" dur="500" fill="hold"/>
+                                        <p:tgtEl>
+                                          <p:spTgt spid="4">
+                                            <p:txEl>
+                                              <p:pRg st="0" end="0"/>
+                                            </p:txEl>
+                                          </p:spTgt>
+                                        </p:tgtEl>
+                                        <p:attrNameLst>
+                                          <p:attrName>ppt_y</p:attrName>
+                                        </p:attrNameLst>
+                                      </p:cBhvr>
+                                      <p:tavLst>
+                                        <p:tav tm="0">
+                                          <p:val>
+                                            <p:strVal val="1+#ppt_h/2"/>
+                                          </p:val>
+                                        </p:tav>
+                                        <p:tav tm="100000">
+                                          <p:val>
+                                            <p:strVal val="#ppt_y"/>
+                                          </p:val>
+                                        </p:tav>
+                                      </p:tavLst>
+                                    </p:anim>
+                                  </p:childTnLst>
+                                </p:cTn>
+                              </p:par>
+                              <p:par>
+                                <p:cTn id="27" presetID="2" presetClass="entr" presetSubtype="4" fill="hold" nodeType="withEffect">
+                                  <p:stCondLst>
+                                    <p:cond delay="0"/>
+                                  </p:stCondLst>
+                                  <p:childTnLst>
+                                    <p:set>
+                                      <p:cBhvr>
+                                        <p:cTn id="28" dur="1" fill="hold">
+                                          <p:stCondLst>
+                                            <p:cond delay="0"/>
+                                          </p:stCondLst>
+                                        </p:cTn>
+                                        <p:tgtEl>
+                                          <p:spTgt spid="4">
+                                            <p:txEl>
+                                              <p:pRg st="1" end="1"/>
+                                            </p:txEl>
+                                          </p:spTgt>
+                                        </p:tgtEl>
+                                        <p:attrNameLst>
+                                          <p:attrName>style.visibility</p:attrName>
+                                        </p:attrNameLst>
+                                      </p:cBhvr>
+                                      <p:to>
+                                        <p:strVal val="visible"/>
+                                      </p:to>
+                                    </p:set>
+                                    <p:anim calcmode="lin" valueType="num">
+                                      <p:cBhvr additive="base">
+                                        <p:cTn id="29" dur="500" fill="hold"/>
+                                        <p:tgtEl>
+                                          <p:spTgt spid="4">
+                                            <p:txEl>
+                                              <p:pRg st="1" end="1"/>
+                                            </p:txEl>
+                                          </p:spTgt>
+                                        </p:tgtEl>
+                                        <p:attrNameLst>
+                                          <p:attrName>ppt_x</p:attrName>
+                                        </p:attrNameLst>
+                                      </p:cBhvr>
+                                      <p:tavLst>
+                                        <p:tav tm="0">
+                                          <p:val>
+                                            <p:strVal val="#ppt_x"/>
+                                          </p:val>
+                                        </p:tav>
+                                        <p:tav tm="100000">
+                                          <p:val>
+                                            <p:strVal val="#ppt_x"/>
+                                          </p:val>
+                                        </p:tav>
+                                      </p:tavLst>
+                                    </p:anim>
+                                    <p:anim calcmode="lin" valueType="num">
+                                      <p:cBhvr additive="base">
+                                        <p:cTn id="30" dur="500" fill="hold"/>
+                                        <p:tgtEl>
+                                          <p:spTgt spid="4">
+                                            <p:txEl>
+                                              <p:pRg st="1" end="1"/>
+                                            </p:txEl>
+                                          </p:spTgt>
+                                        </p:tgtEl>
+                                        <p:attrNameLst>
+                                          <p:attrName>ppt_y</p:attrName>
+                                        </p:attrNameLst>
+                                      </p:cBhvr>
+                                      <p:tavLst>
+                                        <p:tav tm="0">
+                                          <p:val>
+                                            <p:strVal val="1+#ppt_h/2"/>
+                                          </p:val>
+                                        </p:tav>
+                                        <p:tav tm="100000">
+                                          <p:val>
+                                            <p:strVal val="#ppt_y"/>
+                                          </p:val>
+                                        </p:tav>
+                                      </p:tavLst>
+                                    </p:anim>
+                                  </p:childTnLst>
+                                </p:cTn>
+                              </p:par>
+                              <p:par>
+                                <p:cTn id="31" presetID="2" presetClass="entr" presetSubtype="4" fill="hold" nodeType="withEffect">
+                                  <p:stCondLst>
+                                    <p:cond delay="0"/>
+                                  </p:stCondLst>
+                                  <p:childTnLst>
+                                    <p:set>
+                                      <p:cBhvr>
+                                        <p:cTn id="32" dur="1" fill="hold">
+                                          <p:stCondLst>
+                                            <p:cond delay="0"/>
+                                          </p:stCondLst>
+                                        </p:cTn>
+                                        <p:tgtEl>
+                                          <p:spTgt spid="4">
+                                            <p:txEl>
+                                              <p:pRg st="2" end="2"/>
+                                            </p:txEl>
+                                          </p:spTgt>
+                                        </p:tgtEl>
+                                        <p:attrNameLst>
+                                          <p:attrName>style.visibility</p:attrName>
+                                        </p:attrNameLst>
+                                      </p:cBhvr>
+                                      <p:to>
+                                        <p:strVal val="visible"/>
+                                      </p:to>
+                                    </p:set>
+                                    <p:anim calcmode="lin" valueType="num">
+                                      <p:cBhvr additive="base">
+                                        <p:cTn id="33" dur="500" fill="hold"/>
+                                        <p:tgtEl>
+                                          <p:spTgt spid="4">
+                                            <p:txEl>
+                                              <p:pRg st="2" end="2"/>
+                                            </p:txEl>
+                                          </p:spTgt>
+                                        </p:tgtEl>
+                                        <p:attrNameLst>
+                                          <p:attrName>ppt_x</p:attrName>
+                                        </p:attrNameLst>
+                                      </p:cBhvr>
+                                      <p:tavLst>
+                                        <p:tav tm="0">
+                                          <p:val>
+                                            <p:strVal val="#ppt_x"/>
+                                          </p:val>
+                                        </p:tav>
+                                        <p:tav tm="100000">
+                                          <p:val>
+                                            <p:strVal val="#ppt_x"/>
+                                          </p:val>
+                                        </p:tav>
+                                      </p:tavLst>
+                                    </p:anim>
+                                    <p:anim calcmode="lin" valueType="num">
+                                      <p:cBhvr additive="base">
+                                        <p:cTn id="34" dur="500" fill="hold"/>
+                                        <p:tgtEl>
+                                          <p:spTgt spid="4">
+                                            <p:txEl>
+                                              <p:pRg st="2" end="2"/>
+                                            </p:txEl>
+                                          </p:spTgt>
+                                        </p:tgtEl>
+                                        <p:attrNameLst>
+                                          <p:attrName>ppt_y</p:attrName>
+                                        </p:attrNameLst>
+                                      </p:cBhvr>
+                                      <p:tavLst>
+                                        <p:tav tm="0">
+                                          <p:val>
+                                            <p:strVal val="1+#ppt_h/2"/>
+                                          </p:val>
+                                        </p:tav>
+                                        <p:tav tm="100000">
+                                          <p:val>
+                                            <p:strVal val="#ppt_y"/>
+                                          </p:val>
+                                        </p:tav>
+                                      </p:tavLst>
+                                    </p:anim>
+                                  </p:childTnLst>
+                                </p:cTn>
+                              </p:par>
+                              <p:par>
+                                <p:cTn id="35" presetID="2" presetClass="entr" presetSubtype="4" fill="hold" nodeType="withEffect">
+                                  <p:stCondLst>
+                                    <p:cond delay="0"/>
+                                  </p:stCondLst>
+                                  <p:childTnLst>
+                                    <p:set>
+                                      <p:cBhvr>
+                                        <p:cTn id="36" dur="1" fill="hold">
+                                          <p:stCondLst>
+                                            <p:cond delay="0"/>
+                                          </p:stCondLst>
+                                        </p:cTn>
+                                        <p:tgtEl>
+                                          <p:spTgt spid="4">
+                                            <p:txEl>
+                                              <p:pRg st="3" end="3"/>
+                                            </p:txEl>
+                                          </p:spTgt>
+                                        </p:tgtEl>
+                                        <p:attrNameLst>
+                                          <p:attrName>style.visibility</p:attrName>
+                                        </p:attrNameLst>
+                                      </p:cBhvr>
+                                      <p:to>
+                                        <p:strVal val="visible"/>
+                                      </p:to>
+                                    </p:set>
+                                    <p:anim calcmode="lin" valueType="num">
+                                      <p:cBhvr additive="base">
+                                        <p:cTn id="37" dur="500" fill="hold"/>
+                                        <p:tgtEl>
+                                          <p:spTgt spid="4">
+                                            <p:txEl>
+                                              <p:pRg st="3" end="3"/>
+                                            </p:txEl>
+                                          </p:spTgt>
+                                        </p:tgtEl>
+                                        <p:attrNameLst>
+                                          <p:attrName>ppt_x</p:attrName>
+                                        </p:attrNameLst>
+                                      </p:cBhvr>
+                                      <p:tavLst>
+                                        <p:tav tm="0">
+                                          <p:val>
+                                            <p:strVal val="#ppt_x"/>
+                                          </p:val>
+                                        </p:tav>
+                                        <p:tav tm="100000">
+                                          <p:val>
+                                            <p:strVal val="#ppt_x"/>
+                                          </p:val>
+                                        </p:tav>
+                                      </p:tavLst>
+                                    </p:anim>
+                                    <p:anim calcmode="lin" valueType="num">
+                                      <p:cBhvr additive="base">
+                                        <p:cTn id="38" dur="500" fill="hold"/>
+                                        <p:tgtEl>
+                                          <p:spTgt spid="4">
+                                            <p:txEl>
+                                              <p:pRg st="3" end="3"/>
+                                            </p:txEl>
+                                          </p:spTgt>
+                                        </p:tgtEl>
+                                        <p:attrNameLst>
+                                          <p:attrName>ppt_y</p:attrName>
+                                        </p:attrNameLst>
+                                      </p:cBhvr>
+                                      <p:tavLst>
+                                        <p:tav tm="0">
+                                          <p:val>
+                                            <p:strVal val="1+#ppt_h/2"/>
+                                          </p:val>
+                                        </p:tav>
+                                        <p:tav tm="100000">
+                                          <p:val>
+                                            <p:strVal val="#ppt_y"/>
+                                          </p:val>
+                                        </p:tav>
+                                      </p:tavLst>
+                                    </p:anim>
+                                  </p:childTnLst>
+                                </p:cTn>
+                              </p:par>
+                            </p:childTnLst>
+                          </p:cTn>
+                        </p:par>
+                      </p:childTnLst>
+                    </p:cTn>
+                  </p:par>
+                </p:childTnLst>
+              </p:cTn>
+              <p:prevCondLst>
+                <p:cond evt="onPrev" delay="0">
+                  <p:tgtEl>
+                    <p:sldTgt/>
+                  </p:tgtEl>
+                </p:cond>
+              </p:prevCondLst>
+              <p:nextCondLst>
+                <p:cond evt="onNext" delay="0">
+                  <p:tgtEl>
+                    <p:sldTgt/>
+                  </p:tgtEl>
+                </p:cond>
+              </p:nextCondLst>
+            </p:seq>
+          </p:childTnLst>
+        </p:cTn>
+      </p:par>
+    </p:tnLst>
+  </p:timing>
+</p:sld>
+</file>
+
 <file path=ppt/slides/slide2.xml><?xml version="1.0" encoding="utf-8"?>
 <p:sld xmlns:a="http://schemas.openxmlformats.org/drawingml/2006/main" xmlns:r="http://schemas.openxmlformats.org/officeDocument/2006/relationships" xmlns:p="http://schemas.openxmlformats.org/presentationml/2006/main">
   <p:cSld>
@@ -6239,6 +7208,1312 @@
           <p:cNvPr id="2" name="Title 1">
             <a:extLst>
               <a:ext uri="{FF2B5EF4-FFF2-40B4-BE49-F238E27FC236}">
+                <a16:creationId xmlns:a16="http://schemas.microsoft.com/office/drawing/2014/main" id="{CB90D6EC-691D-3CC6-4E19-684A9896EDC7}"/>
+              </a:ext>
+            </a:extLst>
+          </p:cNvPr>
+          <p:cNvSpPr>
+            <a:spLocks noGrp="1"/>
+          </p:cNvSpPr>
+          <p:nvPr>
+            <p:ph type="title"/>
+          </p:nvPr>
+        </p:nvSpPr>
+        <p:spPr/>
+        <p:txBody>
+          <a:bodyPr>
+            <a:normAutofit/>
+          </a:bodyPr>
+          <a:lstStyle/>
+          <a:p>
+            <a:r>
+              <a:rPr lang="hr-HR" sz="3500" dirty="0">
+                <a:latin typeface="Arial" panose="020B0604020202020204" pitchFamily="34" charset="0"/>
+                <a:cs typeface="Arial" panose="020B0604020202020204" pitchFamily="34" charset="0"/>
+              </a:rPr>
+              <a:t>Mali šalabahter</a:t>
+            </a:r>
+          </a:p>
+        </p:txBody>
+      </p:sp>
+      <p:sp>
+        <p:nvSpPr>
+          <p:cNvPr id="3" name="Content Placeholder 2">
+            <a:extLst>
+              <a:ext uri="{FF2B5EF4-FFF2-40B4-BE49-F238E27FC236}">
+                <a16:creationId xmlns:a16="http://schemas.microsoft.com/office/drawing/2014/main" id="{6161BAF4-47D5-FC55-6F02-6B9DFA6C9CA0}"/>
+              </a:ext>
+            </a:extLst>
+          </p:cNvPr>
+          <p:cNvSpPr>
+            <a:spLocks noGrp="1"/>
+          </p:cNvSpPr>
+          <p:nvPr>
+            <p:ph idx="1"/>
+          </p:nvPr>
+        </p:nvSpPr>
+        <p:spPr/>
+        <p:txBody>
+          <a:bodyPr>
+            <a:normAutofit fontScale="77500" lnSpcReduction="20000"/>
+          </a:bodyPr>
+          <a:lstStyle/>
+          <a:p>
+            <a:pPr marL="360000" indent="-360000" algn="just">
+              <a:lnSpc>
+                <a:spcPct val="150000"/>
+              </a:lnSpc>
+            </a:pPr>
+            <a:r>
+              <a:rPr lang="hr-HR" sz="1700" dirty="0">
+                <a:latin typeface="Arial" panose="020B0604020202020204" pitchFamily="34" charset="0"/>
+                <a:cs typeface="Arial" panose="020B0604020202020204" pitchFamily="34" charset="0"/>
+              </a:rPr>
+              <a:t>Rule-based segmentacija</a:t>
+            </a:r>
+          </a:p>
+          <a:p>
+            <a:pPr lvl="1" algn="just">
+              <a:lnSpc>
+                <a:spcPct val="150000"/>
+              </a:lnSpc>
+              <a:buFont typeface="Courier New" panose="02070309020205020404" pitchFamily="49" charset="0"/>
+              <a:buChar char="o"/>
+            </a:pPr>
+            <a:r>
+              <a:rPr lang="hr-HR" sz="1600" dirty="0">
+                <a:latin typeface="Arial" panose="020B0604020202020204" pitchFamily="34" charset="0"/>
+                <a:cs typeface="Arial" panose="020B0604020202020204" pitchFamily="34" charset="0"/>
+              </a:rPr>
+              <a:t>segmentacija temeljena na pravilima</a:t>
+            </a:r>
+          </a:p>
+          <a:p>
+            <a:pPr lvl="1" algn="just">
+              <a:lnSpc>
+                <a:spcPct val="150000"/>
+              </a:lnSpc>
+              <a:buFont typeface="Courier New" panose="02070309020205020404" pitchFamily="49" charset="0"/>
+              <a:buChar char="o"/>
+            </a:pPr>
+            <a:r>
+              <a:rPr lang="hr-HR" sz="1600" dirty="0">
+                <a:latin typeface="Arial" panose="020B0604020202020204" pitchFamily="34" charset="0"/>
+                <a:cs typeface="Arial" panose="020B0604020202020204" pitchFamily="34" charset="0"/>
+              </a:rPr>
+              <a:t>bez potrebe učenja modela</a:t>
+            </a:r>
+          </a:p>
+          <a:p>
+            <a:pPr marL="360000" lvl="1" indent="-360000" algn="just">
+              <a:lnSpc>
+                <a:spcPct val="150000"/>
+              </a:lnSpc>
+            </a:pPr>
+            <a:r>
+              <a:rPr lang="hr-HR" sz="1700" dirty="0">
+                <a:latin typeface="Arial" panose="020B0604020202020204" pitchFamily="34" charset="0"/>
+                <a:cs typeface="Arial" panose="020B0604020202020204" pitchFamily="34" charset="0"/>
+              </a:rPr>
+              <a:t>Morfološke operacije</a:t>
+            </a:r>
+          </a:p>
+          <a:p>
+            <a:pPr marL="817200" lvl="2" indent="-360000" algn="just">
+              <a:lnSpc>
+                <a:spcPct val="150000"/>
+              </a:lnSpc>
+              <a:buFont typeface="Courier New" panose="02070309020205020404" pitchFamily="49" charset="0"/>
+              <a:buChar char="o"/>
+            </a:pPr>
+            <a:r>
+              <a:rPr lang="hr-HR" dirty="0">
+                <a:latin typeface="Arial" panose="020B0604020202020204" pitchFamily="34" charset="0"/>
+                <a:cs typeface="Arial" panose="020B0604020202020204" pitchFamily="34" charset="0"/>
+              </a:rPr>
+              <a:t>Operacije nad binarnim slikama</a:t>
+            </a:r>
+          </a:p>
+          <a:p>
+            <a:pPr marL="817200" lvl="2" indent="-360000" algn="just">
+              <a:lnSpc>
+                <a:spcPct val="150000"/>
+              </a:lnSpc>
+              <a:buFont typeface="Courier New" panose="02070309020205020404" pitchFamily="49" charset="0"/>
+              <a:buChar char="o"/>
+            </a:pPr>
+            <a:r>
+              <a:rPr lang="hr-HR" dirty="0">
+                <a:latin typeface="Arial" panose="020B0604020202020204" pitchFamily="34" charset="0"/>
+                <a:cs typeface="Arial" panose="020B0604020202020204" pitchFamily="34" charset="0"/>
+              </a:rPr>
+              <a:t>Čišćenje i oblikovanje objekata</a:t>
+            </a:r>
+          </a:p>
+          <a:p>
+            <a:pPr marL="360000" lvl="1" indent="-360000" algn="just">
+              <a:lnSpc>
+                <a:spcPct val="150000"/>
+              </a:lnSpc>
+            </a:pPr>
+            <a:r>
+              <a:rPr lang="hr-HR" sz="1700" dirty="0">
+                <a:latin typeface="Arial" panose="020B0604020202020204" pitchFamily="34" charset="0"/>
+                <a:cs typeface="Arial" panose="020B0604020202020204" pitchFamily="34" charset="0"/>
+              </a:rPr>
+              <a:t>Pragiranje (thresholding)</a:t>
+            </a:r>
+          </a:p>
+          <a:p>
+            <a:pPr marL="817200" lvl="2" indent="-360000" algn="just">
+              <a:lnSpc>
+                <a:spcPct val="150000"/>
+              </a:lnSpc>
+              <a:buFont typeface="Courier New" panose="02070309020205020404" pitchFamily="49" charset="0"/>
+              <a:buChar char="o"/>
+            </a:pPr>
+            <a:r>
+              <a:rPr lang="hr-HR" sz="1500" dirty="0">
+                <a:latin typeface="Arial" panose="020B0604020202020204" pitchFamily="34" charset="0"/>
+                <a:cs typeface="Arial" panose="020B0604020202020204" pitchFamily="34" charset="0"/>
+              </a:rPr>
+              <a:t>Razdvajanje piksela po intenzitetu</a:t>
+            </a:r>
+          </a:p>
+          <a:p>
+            <a:pPr marL="360000" lvl="1" indent="-360000" algn="just">
+              <a:lnSpc>
+                <a:spcPct val="150000"/>
+              </a:lnSpc>
+            </a:pPr>
+            <a:r>
+              <a:rPr lang="hr-HR" sz="1700" dirty="0">
+                <a:latin typeface="Arial" panose="020B0604020202020204" pitchFamily="34" charset="0"/>
+                <a:cs typeface="Arial" panose="020B0604020202020204" pitchFamily="34" charset="0"/>
+              </a:rPr>
+              <a:t>Ground truth </a:t>
+            </a:r>
+          </a:p>
+          <a:p>
+            <a:pPr marL="817200" lvl="2" indent="-360000" algn="just">
+              <a:lnSpc>
+                <a:spcPct val="150000"/>
+              </a:lnSpc>
+              <a:buFont typeface="Courier New" panose="02070309020205020404" pitchFamily="49" charset="0"/>
+              <a:buChar char="o"/>
+            </a:pPr>
+            <a:r>
+              <a:rPr lang="hr-HR" sz="1500" dirty="0">
+                <a:latin typeface="Arial" panose="020B0604020202020204" pitchFamily="34" charset="0"/>
+                <a:cs typeface="Arial" panose="020B0604020202020204" pitchFamily="34" charset="0"/>
+              </a:rPr>
+              <a:t>Ručno označena ispravna maska</a:t>
+            </a:r>
+          </a:p>
+          <a:p>
+            <a:pPr marL="817200" lvl="2" indent="-360000" algn="just">
+              <a:lnSpc>
+                <a:spcPct val="150000"/>
+              </a:lnSpc>
+              <a:buFont typeface="Courier New" panose="02070309020205020404" pitchFamily="49" charset="0"/>
+              <a:buChar char="o"/>
+            </a:pPr>
+            <a:r>
+              <a:rPr lang="hr-HR" sz="1500" dirty="0">
+                <a:latin typeface="Arial" panose="020B0604020202020204" pitchFamily="34" charset="0"/>
+                <a:cs typeface="Arial" panose="020B0604020202020204" pitchFamily="34" charset="0"/>
+              </a:rPr>
+              <a:t>Služi kao referenca za usporedbu</a:t>
+            </a:r>
+          </a:p>
+          <a:p>
+            <a:pPr lvl="1" algn="just">
+              <a:lnSpc>
+                <a:spcPct val="150000"/>
+              </a:lnSpc>
+            </a:pPr>
+            <a:endParaRPr lang="hr-HR" dirty="0">
+              <a:latin typeface="Arial" panose="020B0604020202020204" pitchFamily="34" charset="0"/>
+              <a:cs typeface="Arial" panose="020B0604020202020204" pitchFamily="34" charset="0"/>
+            </a:endParaRPr>
+          </a:p>
+        </p:txBody>
+      </p:sp>
+    </p:spTree>
+    <p:extLst>
+      <p:ext uri="{BB962C8B-B14F-4D97-AF65-F5344CB8AC3E}">
+        <p14:creationId xmlns:p14="http://schemas.microsoft.com/office/powerpoint/2010/main" val="377267054"/>
+      </p:ext>
+    </p:extLst>
+  </p:cSld>
+  <p:clrMapOvr>
+    <a:masterClrMapping/>
+  </p:clrMapOvr>
+  <p:transition spd="slow">
+    <p:wipe/>
+  </p:transition>
+  <p:timing>
+    <p:tnLst>
+      <p:par>
+        <p:cTn id="1" dur="indefinite" restart="never" nodeType="tmRoot">
+          <p:childTnLst>
+            <p:seq concurrent="1" nextAc="seek">
+              <p:cTn id="2" dur="indefinite" nodeType="mainSeq">
+                <p:childTnLst>
+                  <p:par>
+                    <p:cTn id="3" fill="hold">
+                      <p:stCondLst>
+                        <p:cond delay="indefinite"/>
+                      </p:stCondLst>
+                      <p:childTnLst>
+                        <p:par>
+                          <p:cTn id="4" fill="hold">
+                            <p:stCondLst>
+                              <p:cond delay="0"/>
+                            </p:stCondLst>
+                            <p:childTnLst>
+                              <p:par>
+                                <p:cTn id="5" presetID="2" presetClass="entr" presetSubtype="4" fill="hold" nodeType="clickEffect">
+                                  <p:stCondLst>
+                                    <p:cond delay="0"/>
+                                  </p:stCondLst>
+                                  <p:childTnLst>
+                                    <p:set>
+                                      <p:cBhvr>
+                                        <p:cTn id="6" dur="1" fill="hold">
+                                          <p:stCondLst>
+                                            <p:cond delay="0"/>
+                                          </p:stCondLst>
+                                        </p:cTn>
+                                        <p:tgtEl>
+                                          <p:spTgt spid="3">
+                                            <p:txEl>
+                                              <p:pRg st="0" end="0"/>
+                                            </p:txEl>
+                                          </p:spTgt>
+                                        </p:tgtEl>
+                                        <p:attrNameLst>
+                                          <p:attrName>style.visibility</p:attrName>
+                                        </p:attrNameLst>
+                                      </p:cBhvr>
+                                      <p:to>
+                                        <p:strVal val="visible"/>
+                                      </p:to>
+                                    </p:set>
+                                    <p:anim calcmode="lin" valueType="num">
+                                      <p:cBhvr additive="base">
+                                        <p:cTn id="7" dur="500" fill="hold"/>
+                                        <p:tgtEl>
+                                          <p:spTgt spid="3">
+                                            <p:txEl>
+                                              <p:pRg st="0" end="0"/>
+                                            </p:txEl>
+                                          </p:spTgt>
+                                        </p:tgtEl>
+                                        <p:attrNameLst>
+                                          <p:attrName>ppt_x</p:attrName>
+                                        </p:attrNameLst>
+                                      </p:cBhvr>
+                                      <p:tavLst>
+                                        <p:tav tm="0">
+                                          <p:val>
+                                            <p:strVal val="#ppt_x"/>
+                                          </p:val>
+                                        </p:tav>
+                                        <p:tav tm="100000">
+                                          <p:val>
+                                            <p:strVal val="#ppt_x"/>
+                                          </p:val>
+                                        </p:tav>
+                                      </p:tavLst>
+                                    </p:anim>
+                                    <p:anim calcmode="lin" valueType="num">
+                                      <p:cBhvr additive="base">
+                                        <p:cTn id="8" dur="500" fill="hold"/>
+                                        <p:tgtEl>
+                                          <p:spTgt spid="3">
+                                            <p:txEl>
+                                              <p:pRg st="0" end="0"/>
+                                            </p:txEl>
+                                          </p:spTgt>
+                                        </p:tgtEl>
+                                        <p:attrNameLst>
+                                          <p:attrName>ppt_y</p:attrName>
+                                        </p:attrNameLst>
+                                      </p:cBhvr>
+                                      <p:tavLst>
+                                        <p:tav tm="0">
+                                          <p:val>
+                                            <p:strVal val="1+#ppt_h/2"/>
+                                          </p:val>
+                                        </p:tav>
+                                        <p:tav tm="100000">
+                                          <p:val>
+                                            <p:strVal val="#ppt_y"/>
+                                          </p:val>
+                                        </p:tav>
+                                      </p:tavLst>
+                                    </p:anim>
+                                  </p:childTnLst>
+                                </p:cTn>
+                              </p:par>
+                              <p:par>
+                                <p:cTn id="9" presetID="2" presetClass="entr" presetSubtype="4" fill="hold" nodeType="withEffect">
+                                  <p:stCondLst>
+                                    <p:cond delay="0"/>
+                                  </p:stCondLst>
+                                  <p:childTnLst>
+                                    <p:set>
+                                      <p:cBhvr>
+                                        <p:cTn id="10" dur="1" fill="hold">
+                                          <p:stCondLst>
+                                            <p:cond delay="0"/>
+                                          </p:stCondLst>
+                                        </p:cTn>
+                                        <p:tgtEl>
+                                          <p:spTgt spid="3">
+                                            <p:txEl>
+                                              <p:pRg st="1" end="1"/>
+                                            </p:txEl>
+                                          </p:spTgt>
+                                        </p:tgtEl>
+                                        <p:attrNameLst>
+                                          <p:attrName>style.visibility</p:attrName>
+                                        </p:attrNameLst>
+                                      </p:cBhvr>
+                                      <p:to>
+                                        <p:strVal val="visible"/>
+                                      </p:to>
+                                    </p:set>
+                                    <p:anim calcmode="lin" valueType="num">
+                                      <p:cBhvr additive="base">
+                                        <p:cTn id="11" dur="500" fill="hold"/>
+                                        <p:tgtEl>
+                                          <p:spTgt spid="3">
+                                            <p:txEl>
+                                              <p:pRg st="1" end="1"/>
+                                            </p:txEl>
+                                          </p:spTgt>
+                                        </p:tgtEl>
+                                        <p:attrNameLst>
+                                          <p:attrName>ppt_x</p:attrName>
+                                        </p:attrNameLst>
+                                      </p:cBhvr>
+                                      <p:tavLst>
+                                        <p:tav tm="0">
+                                          <p:val>
+                                            <p:strVal val="#ppt_x"/>
+                                          </p:val>
+                                        </p:tav>
+                                        <p:tav tm="100000">
+                                          <p:val>
+                                            <p:strVal val="#ppt_x"/>
+                                          </p:val>
+                                        </p:tav>
+                                      </p:tavLst>
+                                    </p:anim>
+                                    <p:anim calcmode="lin" valueType="num">
+                                      <p:cBhvr additive="base">
+                                        <p:cTn id="12" dur="500" fill="hold"/>
+                                        <p:tgtEl>
+                                          <p:spTgt spid="3">
+                                            <p:txEl>
+                                              <p:pRg st="1" end="1"/>
+                                            </p:txEl>
+                                          </p:spTgt>
+                                        </p:tgtEl>
+                                        <p:attrNameLst>
+                                          <p:attrName>ppt_y</p:attrName>
+                                        </p:attrNameLst>
+                                      </p:cBhvr>
+                                      <p:tavLst>
+                                        <p:tav tm="0">
+                                          <p:val>
+                                            <p:strVal val="1+#ppt_h/2"/>
+                                          </p:val>
+                                        </p:tav>
+                                        <p:tav tm="100000">
+                                          <p:val>
+                                            <p:strVal val="#ppt_y"/>
+                                          </p:val>
+                                        </p:tav>
+                                      </p:tavLst>
+                                    </p:anim>
+                                  </p:childTnLst>
+                                </p:cTn>
+                              </p:par>
+                              <p:par>
+                                <p:cTn id="13" presetID="2" presetClass="entr" presetSubtype="4" fill="hold" nodeType="withEffect">
+                                  <p:stCondLst>
+                                    <p:cond delay="0"/>
+                                  </p:stCondLst>
+                                  <p:childTnLst>
+                                    <p:set>
+                                      <p:cBhvr>
+                                        <p:cTn id="14" dur="1" fill="hold">
+                                          <p:stCondLst>
+                                            <p:cond delay="0"/>
+                                          </p:stCondLst>
+                                        </p:cTn>
+                                        <p:tgtEl>
+                                          <p:spTgt spid="3">
+                                            <p:txEl>
+                                              <p:pRg st="2" end="2"/>
+                                            </p:txEl>
+                                          </p:spTgt>
+                                        </p:tgtEl>
+                                        <p:attrNameLst>
+                                          <p:attrName>style.visibility</p:attrName>
+                                        </p:attrNameLst>
+                                      </p:cBhvr>
+                                      <p:to>
+                                        <p:strVal val="visible"/>
+                                      </p:to>
+                                    </p:set>
+                                    <p:anim calcmode="lin" valueType="num">
+                                      <p:cBhvr additive="base">
+                                        <p:cTn id="15" dur="500" fill="hold"/>
+                                        <p:tgtEl>
+                                          <p:spTgt spid="3">
+                                            <p:txEl>
+                                              <p:pRg st="2" end="2"/>
+                                            </p:txEl>
+                                          </p:spTgt>
+                                        </p:tgtEl>
+                                        <p:attrNameLst>
+                                          <p:attrName>ppt_x</p:attrName>
+                                        </p:attrNameLst>
+                                      </p:cBhvr>
+                                      <p:tavLst>
+                                        <p:tav tm="0">
+                                          <p:val>
+                                            <p:strVal val="#ppt_x"/>
+                                          </p:val>
+                                        </p:tav>
+                                        <p:tav tm="100000">
+                                          <p:val>
+                                            <p:strVal val="#ppt_x"/>
+                                          </p:val>
+                                        </p:tav>
+                                      </p:tavLst>
+                                    </p:anim>
+                                    <p:anim calcmode="lin" valueType="num">
+                                      <p:cBhvr additive="base">
+                                        <p:cTn id="16" dur="500" fill="hold"/>
+                                        <p:tgtEl>
+                                          <p:spTgt spid="3">
+                                            <p:txEl>
+                                              <p:pRg st="2" end="2"/>
+                                            </p:txEl>
+                                          </p:spTgt>
+                                        </p:tgtEl>
+                                        <p:attrNameLst>
+                                          <p:attrName>ppt_y</p:attrName>
+                                        </p:attrNameLst>
+                                      </p:cBhvr>
+                                      <p:tavLst>
+                                        <p:tav tm="0">
+                                          <p:val>
+                                            <p:strVal val="1+#ppt_h/2"/>
+                                          </p:val>
+                                        </p:tav>
+                                        <p:tav tm="100000">
+                                          <p:val>
+                                            <p:strVal val="#ppt_y"/>
+                                          </p:val>
+                                        </p:tav>
+                                      </p:tavLst>
+                                    </p:anim>
+                                  </p:childTnLst>
+                                </p:cTn>
+                              </p:par>
+                            </p:childTnLst>
+                          </p:cTn>
+                        </p:par>
+                      </p:childTnLst>
+                    </p:cTn>
+                  </p:par>
+                  <p:par>
+                    <p:cTn id="17" fill="hold">
+                      <p:stCondLst>
+                        <p:cond delay="indefinite"/>
+                      </p:stCondLst>
+                      <p:childTnLst>
+                        <p:par>
+                          <p:cTn id="18" fill="hold">
+                            <p:stCondLst>
+                              <p:cond delay="0"/>
+                            </p:stCondLst>
+                            <p:childTnLst>
+                              <p:par>
+                                <p:cTn id="19" presetID="2" presetClass="entr" presetSubtype="4" fill="hold" nodeType="clickEffect">
+                                  <p:stCondLst>
+                                    <p:cond delay="0"/>
+                                  </p:stCondLst>
+                                  <p:childTnLst>
+                                    <p:set>
+                                      <p:cBhvr>
+                                        <p:cTn id="20" dur="1" fill="hold">
+                                          <p:stCondLst>
+                                            <p:cond delay="0"/>
+                                          </p:stCondLst>
+                                        </p:cTn>
+                                        <p:tgtEl>
+                                          <p:spTgt spid="3">
+                                            <p:txEl>
+                                              <p:pRg st="3" end="3"/>
+                                            </p:txEl>
+                                          </p:spTgt>
+                                        </p:tgtEl>
+                                        <p:attrNameLst>
+                                          <p:attrName>style.visibility</p:attrName>
+                                        </p:attrNameLst>
+                                      </p:cBhvr>
+                                      <p:to>
+                                        <p:strVal val="visible"/>
+                                      </p:to>
+                                    </p:set>
+                                    <p:anim calcmode="lin" valueType="num">
+                                      <p:cBhvr additive="base">
+                                        <p:cTn id="21" dur="500" fill="hold"/>
+                                        <p:tgtEl>
+                                          <p:spTgt spid="3">
+                                            <p:txEl>
+                                              <p:pRg st="3" end="3"/>
+                                            </p:txEl>
+                                          </p:spTgt>
+                                        </p:tgtEl>
+                                        <p:attrNameLst>
+                                          <p:attrName>ppt_x</p:attrName>
+                                        </p:attrNameLst>
+                                      </p:cBhvr>
+                                      <p:tavLst>
+                                        <p:tav tm="0">
+                                          <p:val>
+                                            <p:strVal val="#ppt_x"/>
+                                          </p:val>
+                                        </p:tav>
+                                        <p:tav tm="100000">
+                                          <p:val>
+                                            <p:strVal val="#ppt_x"/>
+                                          </p:val>
+                                        </p:tav>
+                                      </p:tavLst>
+                                    </p:anim>
+                                    <p:anim calcmode="lin" valueType="num">
+                                      <p:cBhvr additive="base">
+                                        <p:cTn id="22" dur="500" fill="hold"/>
+                                        <p:tgtEl>
+                                          <p:spTgt spid="3">
+                                            <p:txEl>
+                                              <p:pRg st="3" end="3"/>
+                                            </p:txEl>
+                                          </p:spTgt>
+                                        </p:tgtEl>
+                                        <p:attrNameLst>
+                                          <p:attrName>ppt_y</p:attrName>
+                                        </p:attrNameLst>
+                                      </p:cBhvr>
+                                      <p:tavLst>
+                                        <p:tav tm="0">
+                                          <p:val>
+                                            <p:strVal val="1+#ppt_h/2"/>
+                                          </p:val>
+                                        </p:tav>
+                                        <p:tav tm="100000">
+                                          <p:val>
+                                            <p:strVal val="#ppt_y"/>
+                                          </p:val>
+                                        </p:tav>
+                                      </p:tavLst>
+                                    </p:anim>
+                                  </p:childTnLst>
+                                </p:cTn>
+                              </p:par>
+                              <p:par>
+                                <p:cTn id="23" presetID="2" presetClass="entr" presetSubtype="4" fill="hold" nodeType="withEffect">
+                                  <p:stCondLst>
+                                    <p:cond delay="0"/>
+                                  </p:stCondLst>
+                                  <p:childTnLst>
+                                    <p:set>
+                                      <p:cBhvr>
+                                        <p:cTn id="24" dur="1" fill="hold">
+                                          <p:stCondLst>
+                                            <p:cond delay="0"/>
+                                          </p:stCondLst>
+                                        </p:cTn>
+                                        <p:tgtEl>
+                                          <p:spTgt spid="3">
+                                            <p:txEl>
+                                              <p:pRg st="4" end="4"/>
+                                            </p:txEl>
+                                          </p:spTgt>
+                                        </p:tgtEl>
+                                        <p:attrNameLst>
+                                          <p:attrName>style.visibility</p:attrName>
+                                        </p:attrNameLst>
+                                      </p:cBhvr>
+                                      <p:to>
+                                        <p:strVal val="visible"/>
+                                      </p:to>
+                                    </p:set>
+                                    <p:anim calcmode="lin" valueType="num">
+                                      <p:cBhvr additive="base">
+                                        <p:cTn id="25" dur="500" fill="hold"/>
+                                        <p:tgtEl>
+                                          <p:spTgt spid="3">
+                                            <p:txEl>
+                                              <p:pRg st="4" end="4"/>
+                                            </p:txEl>
+                                          </p:spTgt>
+                                        </p:tgtEl>
+                                        <p:attrNameLst>
+                                          <p:attrName>ppt_x</p:attrName>
+                                        </p:attrNameLst>
+                                      </p:cBhvr>
+                                      <p:tavLst>
+                                        <p:tav tm="0">
+                                          <p:val>
+                                            <p:strVal val="#ppt_x"/>
+                                          </p:val>
+                                        </p:tav>
+                                        <p:tav tm="100000">
+                                          <p:val>
+                                            <p:strVal val="#ppt_x"/>
+                                          </p:val>
+                                        </p:tav>
+                                      </p:tavLst>
+                                    </p:anim>
+                                    <p:anim calcmode="lin" valueType="num">
+                                      <p:cBhvr additive="base">
+                                        <p:cTn id="26" dur="500" fill="hold"/>
+                                        <p:tgtEl>
+                                          <p:spTgt spid="3">
+                                            <p:txEl>
+                                              <p:pRg st="4" end="4"/>
+                                            </p:txEl>
+                                          </p:spTgt>
+                                        </p:tgtEl>
+                                        <p:attrNameLst>
+                                          <p:attrName>ppt_y</p:attrName>
+                                        </p:attrNameLst>
+                                      </p:cBhvr>
+                                      <p:tavLst>
+                                        <p:tav tm="0">
+                                          <p:val>
+                                            <p:strVal val="1+#ppt_h/2"/>
+                                          </p:val>
+                                        </p:tav>
+                                        <p:tav tm="100000">
+                                          <p:val>
+                                            <p:strVal val="#ppt_y"/>
+                                          </p:val>
+                                        </p:tav>
+                                      </p:tavLst>
+                                    </p:anim>
+                                  </p:childTnLst>
+                                </p:cTn>
+                              </p:par>
+                              <p:par>
+                                <p:cTn id="27" presetID="2" presetClass="entr" presetSubtype="4" fill="hold" nodeType="withEffect">
+                                  <p:stCondLst>
+                                    <p:cond delay="0"/>
+                                  </p:stCondLst>
+                                  <p:childTnLst>
+                                    <p:set>
+                                      <p:cBhvr>
+                                        <p:cTn id="28" dur="1" fill="hold">
+                                          <p:stCondLst>
+                                            <p:cond delay="0"/>
+                                          </p:stCondLst>
+                                        </p:cTn>
+                                        <p:tgtEl>
+                                          <p:spTgt spid="3">
+                                            <p:txEl>
+                                              <p:pRg st="5" end="5"/>
+                                            </p:txEl>
+                                          </p:spTgt>
+                                        </p:tgtEl>
+                                        <p:attrNameLst>
+                                          <p:attrName>style.visibility</p:attrName>
+                                        </p:attrNameLst>
+                                      </p:cBhvr>
+                                      <p:to>
+                                        <p:strVal val="visible"/>
+                                      </p:to>
+                                    </p:set>
+                                    <p:anim calcmode="lin" valueType="num">
+                                      <p:cBhvr additive="base">
+                                        <p:cTn id="29" dur="500" fill="hold"/>
+                                        <p:tgtEl>
+                                          <p:spTgt spid="3">
+                                            <p:txEl>
+                                              <p:pRg st="5" end="5"/>
+                                            </p:txEl>
+                                          </p:spTgt>
+                                        </p:tgtEl>
+                                        <p:attrNameLst>
+                                          <p:attrName>ppt_x</p:attrName>
+                                        </p:attrNameLst>
+                                      </p:cBhvr>
+                                      <p:tavLst>
+                                        <p:tav tm="0">
+                                          <p:val>
+                                            <p:strVal val="#ppt_x"/>
+                                          </p:val>
+                                        </p:tav>
+                                        <p:tav tm="100000">
+                                          <p:val>
+                                            <p:strVal val="#ppt_x"/>
+                                          </p:val>
+                                        </p:tav>
+                                      </p:tavLst>
+                                    </p:anim>
+                                    <p:anim calcmode="lin" valueType="num">
+                                      <p:cBhvr additive="base">
+                                        <p:cTn id="30" dur="500" fill="hold"/>
+                                        <p:tgtEl>
+                                          <p:spTgt spid="3">
+                                            <p:txEl>
+                                              <p:pRg st="5" end="5"/>
+                                            </p:txEl>
+                                          </p:spTgt>
+                                        </p:tgtEl>
+                                        <p:attrNameLst>
+                                          <p:attrName>ppt_y</p:attrName>
+                                        </p:attrNameLst>
+                                      </p:cBhvr>
+                                      <p:tavLst>
+                                        <p:tav tm="0">
+                                          <p:val>
+                                            <p:strVal val="1+#ppt_h/2"/>
+                                          </p:val>
+                                        </p:tav>
+                                        <p:tav tm="100000">
+                                          <p:val>
+                                            <p:strVal val="#ppt_y"/>
+                                          </p:val>
+                                        </p:tav>
+                                      </p:tavLst>
+                                    </p:anim>
+                                  </p:childTnLst>
+                                </p:cTn>
+                              </p:par>
+                            </p:childTnLst>
+                          </p:cTn>
+                        </p:par>
+                      </p:childTnLst>
+                    </p:cTn>
+                  </p:par>
+                  <p:par>
+                    <p:cTn id="31" fill="hold">
+                      <p:stCondLst>
+                        <p:cond delay="indefinite"/>
+                      </p:stCondLst>
+                      <p:childTnLst>
+                        <p:par>
+                          <p:cTn id="32" fill="hold">
+                            <p:stCondLst>
+                              <p:cond delay="0"/>
+                            </p:stCondLst>
+                            <p:childTnLst>
+                              <p:par>
+                                <p:cTn id="33" presetID="2" presetClass="entr" presetSubtype="4" fill="hold" nodeType="clickEffect">
+                                  <p:stCondLst>
+                                    <p:cond delay="0"/>
+                                  </p:stCondLst>
+                                  <p:childTnLst>
+                                    <p:set>
+                                      <p:cBhvr>
+                                        <p:cTn id="34" dur="1" fill="hold">
+                                          <p:stCondLst>
+                                            <p:cond delay="0"/>
+                                          </p:stCondLst>
+                                        </p:cTn>
+                                        <p:tgtEl>
+                                          <p:spTgt spid="3">
+                                            <p:txEl>
+                                              <p:pRg st="6" end="6"/>
+                                            </p:txEl>
+                                          </p:spTgt>
+                                        </p:tgtEl>
+                                        <p:attrNameLst>
+                                          <p:attrName>style.visibility</p:attrName>
+                                        </p:attrNameLst>
+                                      </p:cBhvr>
+                                      <p:to>
+                                        <p:strVal val="visible"/>
+                                      </p:to>
+                                    </p:set>
+                                    <p:anim calcmode="lin" valueType="num">
+                                      <p:cBhvr additive="base">
+                                        <p:cTn id="35" dur="500" fill="hold"/>
+                                        <p:tgtEl>
+                                          <p:spTgt spid="3">
+                                            <p:txEl>
+                                              <p:pRg st="6" end="6"/>
+                                            </p:txEl>
+                                          </p:spTgt>
+                                        </p:tgtEl>
+                                        <p:attrNameLst>
+                                          <p:attrName>ppt_x</p:attrName>
+                                        </p:attrNameLst>
+                                      </p:cBhvr>
+                                      <p:tavLst>
+                                        <p:tav tm="0">
+                                          <p:val>
+                                            <p:strVal val="#ppt_x"/>
+                                          </p:val>
+                                        </p:tav>
+                                        <p:tav tm="100000">
+                                          <p:val>
+                                            <p:strVal val="#ppt_x"/>
+                                          </p:val>
+                                        </p:tav>
+                                      </p:tavLst>
+                                    </p:anim>
+                                    <p:anim calcmode="lin" valueType="num">
+                                      <p:cBhvr additive="base">
+                                        <p:cTn id="36" dur="500" fill="hold"/>
+                                        <p:tgtEl>
+                                          <p:spTgt spid="3">
+                                            <p:txEl>
+                                              <p:pRg st="6" end="6"/>
+                                            </p:txEl>
+                                          </p:spTgt>
+                                        </p:tgtEl>
+                                        <p:attrNameLst>
+                                          <p:attrName>ppt_y</p:attrName>
+                                        </p:attrNameLst>
+                                      </p:cBhvr>
+                                      <p:tavLst>
+                                        <p:tav tm="0">
+                                          <p:val>
+                                            <p:strVal val="1+#ppt_h/2"/>
+                                          </p:val>
+                                        </p:tav>
+                                        <p:tav tm="100000">
+                                          <p:val>
+                                            <p:strVal val="#ppt_y"/>
+                                          </p:val>
+                                        </p:tav>
+                                      </p:tavLst>
+                                    </p:anim>
+                                  </p:childTnLst>
+                                </p:cTn>
+                              </p:par>
+                              <p:par>
+                                <p:cTn id="37" presetID="2" presetClass="entr" presetSubtype="4" fill="hold" nodeType="withEffect">
+                                  <p:stCondLst>
+                                    <p:cond delay="0"/>
+                                  </p:stCondLst>
+                                  <p:childTnLst>
+                                    <p:set>
+                                      <p:cBhvr>
+                                        <p:cTn id="38" dur="1" fill="hold">
+                                          <p:stCondLst>
+                                            <p:cond delay="0"/>
+                                          </p:stCondLst>
+                                        </p:cTn>
+                                        <p:tgtEl>
+                                          <p:spTgt spid="3">
+                                            <p:txEl>
+                                              <p:pRg st="7" end="7"/>
+                                            </p:txEl>
+                                          </p:spTgt>
+                                        </p:tgtEl>
+                                        <p:attrNameLst>
+                                          <p:attrName>style.visibility</p:attrName>
+                                        </p:attrNameLst>
+                                      </p:cBhvr>
+                                      <p:to>
+                                        <p:strVal val="visible"/>
+                                      </p:to>
+                                    </p:set>
+                                    <p:anim calcmode="lin" valueType="num">
+                                      <p:cBhvr additive="base">
+                                        <p:cTn id="39" dur="500" fill="hold"/>
+                                        <p:tgtEl>
+                                          <p:spTgt spid="3">
+                                            <p:txEl>
+                                              <p:pRg st="7" end="7"/>
+                                            </p:txEl>
+                                          </p:spTgt>
+                                        </p:tgtEl>
+                                        <p:attrNameLst>
+                                          <p:attrName>ppt_x</p:attrName>
+                                        </p:attrNameLst>
+                                      </p:cBhvr>
+                                      <p:tavLst>
+                                        <p:tav tm="0">
+                                          <p:val>
+                                            <p:strVal val="#ppt_x"/>
+                                          </p:val>
+                                        </p:tav>
+                                        <p:tav tm="100000">
+                                          <p:val>
+                                            <p:strVal val="#ppt_x"/>
+                                          </p:val>
+                                        </p:tav>
+                                      </p:tavLst>
+                                    </p:anim>
+                                    <p:anim calcmode="lin" valueType="num">
+                                      <p:cBhvr additive="base">
+                                        <p:cTn id="40" dur="500" fill="hold"/>
+                                        <p:tgtEl>
+                                          <p:spTgt spid="3">
+                                            <p:txEl>
+                                              <p:pRg st="7" end="7"/>
+                                            </p:txEl>
+                                          </p:spTgt>
+                                        </p:tgtEl>
+                                        <p:attrNameLst>
+                                          <p:attrName>ppt_y</p:attrName>
+                                        </p:attrNameLst>
+                                      </p:cBhvr>
+                                      <p:tavLst>
+                                        <p:tav tm="0">
+                                          <p:val>
+                                            <p:strVal val="1+#ppt_h/2"/>
+                                          </p:val>
+                                        </p:tav>
+                                        <p:tav tm="100000">
+                                          <p:val>
+                                            <p:strVal val="#ppt_y"/>
+                                          </p:val>
+                                        </p:tav>
+                                      </p:tavLst>
+                                    </p:anim>
+                                  </p:childTnLst>
+                                </p:cTn>
+                              </p:par>
+                            </p:childTnLst>
+                          </p:cTn>
+                        </p:par>
+                      </p:childTnLst>
+                    </p:cTn>
+                  </p:par>
+                  <p:par>
+                    <p:cTn id="41" fill="hold">
+                      <p:stCondLst>
+                        <p:cond delay="indefinite"/>
+                      </p:stCondLst>
+                      <p:childTnLst>
+                        <p:par>
+                          <p:cTn id="42" fill="hold">
+                            <p:stCondLst>
+                              <p:cond delay="0"/>
+                            </p:stCondLst>
+                            <p:childTnLst>
+                              <p:par>
+                                <p:cTn id="43" presetID="2" presetClass="entr" presetSubtype="4" fill="hold" nodeType="clickEffect">
+                                  <p:stCondLst>
+                                    <p:cond delay="0"/>
+                                  </p:stCondLst>
+                                  <p:childTnLst>
+                                    <p:set>
+                                      <p:cBhvr>
+                                        <p:cTn id="44" dur="1" fill="hold">
+                                          <p:stCondLst>
+                                            <p:cond delay="0"/>
+                                          </p:stCondLst>
+                                        </p:cTn>
+                                        <p:tgtEl>
+                                          <p:spTgt spid="3">
+                                            <p:txEl>
+                                              <p:pRg st="8" end="8"/>
+                                            </p:txEl>
+                                          </p:spTgt>
+                                        </p:tgtEl>
+                                        <p:attrNameLst>
+                                          <p:attrName>style.visibility</p:attrName>
+                                        </p:attrNameLst>
+                                      </p:cBhvr>
+                                      <p:to>
+                                        <p:strVal val="visible"/>
+                                      </p:to>
+                                    </p:set>
+                                    <p:anim calcmode="lin" valueType="num">
+                                      <p:cBhvr additive="base">
+                                        <p:cTn id="45" dur="500" fill="hold"/>
+                                        <p:tgtEl>
+                                          <p:spTgt spid="3">
+                                            <p:txEl>
+                                              <p:pRg st="8" end="8"/>
+                                            </p:txEl>
+                                          </p:spTgt>
+                                        </p:tgtEl>
+                                        <p:attrNameLst>
+                                          <p:attrName>ppt_x</p:attrName>
+                                        </p:attrNameLst>
+                                      </p:cBhvr>
+                                      <p:tavLst>
+                                        <p:tav tm="0">
+                                          <p:val>
+                                            <p:strVal val="#ppt_x"/>
+                                          </p:val>
+                                        </p:tav>
+                                        <p:tav tm="100000">
+                                          <p:val>
+                                            <p:strVal val="#ppt_x"/>
+                                          </p:val>
+                                        </p:tav>
+                                      </p:tavLst>
+                                    </p:anim>
+                                    <p:anim calcmode="lin" valueType="num">
+                                      <p:cBhvr additive="base">
+                                        <p:cTn id="46" dur="500" fill="hold"/>
+                                        <p:tgtEl>
+                                          <p:spTgt spid="3">
+                                            <p:txEl>
+                                              <p:pRg st="8" end="8"/>
+                                            </p:txEl>
+                                          </p:spTgt>
+                                        </p:tgtEl>
+                                        <p:attrNameLst>
+                                          <p:attrName>ppt_y</p:attrName>
+                                        </p:attrNameLst>
+                                      </p:cBhvr>
+                                      <p:tavLst>
+                                        <p:tav tm="0">
+                                          <p:val>
+                                            <p:strVal val="1+#ppt_h/2"/>
+                                          </p:val>
+                                        </p:tav>
+                                        <p:tav tm="100000">
+                                          <p:val>
+                                            <p:strVal val="#ppt_y"/>
+                                          </p:val>
+                                        </p:tav>
+                                      </p:tavLst>
+                                    </p:anim>
+                                  </p:childTnLst>
+                                </p:cTn>
+                              </p:par>
+                              <p:par>
+                                <p:cTn id="47" presetID="2" presetClass="entr" presetSubtype="4" fill="hold" nodeType="withEffect">
+                                  <p:stCondLst>
+                                    <p:cond delay="0"/>
+                                  </p:stCondLst>
+                                  <p:childTnLst>
+                                    <p:set>
+                                      <p:cBhvr>
+                                        <p:cTn id="48" dur="1" fill="hold">
+                                          <p:stCondLst>
+                                            <p:cond delay="0"/>
+                                          </p:stCondLst>
+                                        </p:cTn>
+                                        <p:tgtEl>
+                                          <p:spTgt spid="3">
+                                            <p:txEl>
+                                              <p:pRg st="9" end="9"/>
+                                            </p:txEl>
+                                          </p:spTgt>
+                                        </p:tgtEl>
+                                        <p:attrNameLst>
+                                          <p:attrName>style.visibility</p:attrName>
+                                        </p:attrNameLst>
+                                      </p:cBhvr>
+                                      <p:to>
+                                        <p:strVal val="visible"/>
+                                      </p:to>
+                                    </p:set>
+                                    <p:anim calcmode="lin" valueType="num">
+                                      <p:cBhvr additive="base">
+                                        <p:cTn id="49" dur="500" fill="hold"/>
+                                        <p:tgtEl>
+                                          <p:spTgt spid="3">
+                                            <p:txEl>
+                                              <p:pRg st="9" end="9"/>
+                                            </p:txEl>
+                                          </p:spTgt>
+                                        </p:tgtEl>
+                                        <p:attrNameLst>
+                                          <p:attrName>ppt_x</p:attrName>
+                                        </p:attrNameLst>
+                                      </p:cBhvr>
+                                      <p:tavLst>
+                                        <p:tav tm="0">
+                                          <p:val>
+                                            <p:strVal val="#ppt_x"/>
+                                          </p:val>
+                                        </p:tav>
+                                        <p:tav tm="100000">
+                                          <p:val>
+                                            <p:strVal val="#ppt_x"/>
+                                          </p:val>
+                                        </p:tav>
+                                      </p:tavLst>
+                                    </p:anim>
+                                    <p:anim calcmode="lin" valueType="num">
+                                      <p:cBhvr additive="base">
+                                        <p:cTn id="50" dur="500" fill="hold"/>
+                                        <p:tgtEl>
+                                          <p:spTgt spid="3">
+                                            <p:txEl>
+                                              <p:pRg st="9" end="9"/>
+                                            </p:txEl>
+                                          </p:spTgt>
+                                        </p:tgtEl>
+                                        <p:attrNameLst>
+                                          <p:attrName>ppt_y</p:attrName>
+                                        </p:attrNameLst>
+                                      </p:cBhvr>
+                                      <p:tavLst>
+                                        <p:tav tm="0">
+                                          <p:val>
+                                            <p:strVal val="1+#ppt_h/2"/>
+                                          </p:val>
+                                        </p:tav>
+                                        <p:tav tm="100000">
+                                          <p:val>
+                                            <p:strVal val="#ppt_y"/>
+                                          </p:val>
+                                        </p:tav>
+                                      </p:tavLst>
+                                    </p:anim>
+                                  </p:childTnLst>
+                                </p:cTn>
+                              </p:par>
+                              <p:par>
+                                <p:cTn id="51" presetID="2" presetClass="entr" presetSubtype="4" fill="hold" nodeType="withEffect">
+                                  <p:stCondLst>
+                                    <p:cond delay="0"/>
+                                  </p:stCondLst>
+                                  <p:childTnLst>
+                                    <p:set>
+                                      <p:cBhvr>
+                                        <p:cTn id="52" dur="1" fill="hold">
+                                          <p:stCondLst>
+                                            <p:cond delay="0"/>
+                                          </p:stCondLst>
+                                        </p:cTn>
+                                        <p:tgtEl>
+                                          <p:spTgt spid="3">
+                                            <p:txEl>
+                                              <p:pRg st="10" end="10"/>
+                                            </p:txEl>
+                                          </p:spTgt>
+                                        </p:tgtEl>
+                                        <p:attrNameLst>
+                                          <p:attrName>style.visibility</p:attrName>
+                                        </p:attrNameLst>
+                                      </p:cBhvr>
+                                      <p:to>
+                                        <p:strVal val="visible"/>
+                                      </p:to>
+                                    </p:set>
+                                    <p:anim calcmode="lin" valueType="num">
+                                      <p:cBhvr additive="base">
+                                        <p:cTn id="53" dur="500" fill="hold"/>
+                                        <p:tgtEl>
+                                          <p:spTgt spid="3">
+                                            <p:txEl>
+                                              <p:pRg st="10" end="10"/>
+                                            </p:txEl>
+                                          </p:spTgt>
+                                        </p:tgtEl>
+                                        <p:attrNameLst>
+                                          <p:attrName>ppt_x</p:attrName>
+                                        </p:attrNameLst>
+                                      </p:cBhvr>
+                                      <p:tavLst>
+                                        <p:tav tm="0">
+                                          <p:val>
+                                            <p:strVal val="#ppt_x"/>
+                                          </p:val>
+                                        </p:tav>
+                                        <p:tav tm="100000">
+                                          <p:val>
+                                            <p:strVal val="#ppt_x"/>
+                                          </p:val>
+                                        </p:tav>
+                                      </p:tavLst>
+                                    </p:anim>
+                                    <p:anim calcmode="lin" valueType="num">
+                                      <p:cBhvr additive="base">
+                                        <p:cTn id="54" dur="500" fill="hold"/>
+                                        <p:tgtEl>
+                                          <p:spTgt spid="3">
+                                            <p:txEl>
+                                              <p:pRg st="10" end="10"/>
+                                            </p:txEl>
+                                          </p:spTgt>
+                                        </p:tgtEl>
+                                        <p:attrNameLst>
+                                          <p:attrName>ppt_y</p:attrName>
+                                        </p:attrNameLst>
+                                      </p:cBhvr>
+                                      <p:tavLst>
+                                        <p:tav tm="0">
+                                          <p:val>
+                                            <p:strVal val="1+#ppt_h/2"/>
+                                          </p:val>
+                                        </p:tav>
+                                        <p:tav tm="100000">
+                                          <p:val>
+                                            <p:strVal val="#ppt_y"/>
+                                          </p:val>
+                                        </p:tav>
+                                      </p:tavLst>
+                                    </p:anim>
+                                  </p:childTnLst>
+                                </p:cTn>
+                              </p:par>
+                            </p:childTnLst>
+                          </p:cTn>
+                        </p:par>
+                      </p:childTnLst>
+                    </p:cTn>
+                  </p:par>
+                </p:childTnLst>
+              </p:cTn>
+              <p:prevCondLst>
+                <p:cond evt="onPrev" delay="0">
+                  <p:tgtEl>
+                    <p:sldTgt/>
+                  </p:tgtEl>
+                </p:cond>
+              </p:prevCondLst>
+              <p:nextCondLst>
+                <p:cond evt="onNext" delay="0">
+                  <p:tgtEl>
+                    <p:sldTgt/>
+                  </p:tgtEl>
+                </p:cond>
+              </p:nextCondLst>
+            </p:seq>
+          </p:childTnLst>
+        </p:cTn>
+      </p:par>
+    </p:tnLst>
+  </p:timing>
+</p:sld>
+</file>
+
+<file path=ppt/slides/slide5.xml><?xml version="1.0" encoding="utf-8"?>
+<p:sld xmlns:a="http://schemas.openxmlformats.org/drawingml/2006/main" xmlns:r="http://schemas.openxmlformats.org/officeDocument/2006/relationships" xmlns:p="http://schemas.openxmlformats.org/presentationml/2006/main">
+  <p:cSld>
+    <p:spTree>
+      <p:nvGrpSpPr>
+        <p:cNvPr id="1" name=""/>
+        <p:cNvGrpSpPr/>
+        <p:nvPr/>
+      </p:nvGrpSpPr>
+      <p:grpSpPr>
+        <a:xfrm>
+          <a:off x="0" y="0"/>
+          <a:ext cx="0" cy="0"/>
+          <a:chOff x="0" y="0"/>
+          <a:chExt cx="0" cy="0"/>
+        </a:xfrm>
+      </p:grpSpPr>
+      <p:sp>
+        <p:nvSpPr>
+          <p:cNvPr id="2" name="Title 1">
+            <a:extLst>
+              <a:ext uri="{FF2B5EF4-FFF2-40B4-BE49-F238E27FC236}">
                 <a16:creationId xmlns:a16="http://schemas.microsoft.com/office/drawing/2014/main" id="{64A45367-C65D-5652-5453-8DB4E639EB60}"/>
               </a:ext>
             </a:extLst>
@@ -6439,7 +8714,7 @@
 </p:sld>
 </file>
 
-<file path=ppt/slides/slide5.xml><?xml version="1.0" encoding="utf-8"?>
+<file path=ppt/slides/slide6.xml><?xml version="1.0" encoding="utf-8"?>
 <p:sld xmlns:a="http://schemas.openxmlformats.org/drawingml/2006/main" xmlns:r="http://schemas.openxmlformats.org/officeDocument/2006/relationships" xmlns:p="http://schemas.openxmlformats.org/presentationml/2006/main">
   <p:cSld>
     <p:spTree>
@@ -6641,7 +8916,7 @@
 </p:sld>
 </file>
 
-<file path=ppt/slides/slide6.xml><?xml version="1.0" encoding="utf-8"?>
+<file path=ppt/slides/slide7.xml><?xml version="1.0" encoding="utf-8"?>
 <p:sld xmlns:a="http://schemas.openxmlformats.org/drawingml/2006/main" xmlns:r="http://schemas.openxmlformats.org/officeDocument/2006/relationships" xmlns:p="http://schemas.openxmlformats.org/presentationml/2006/main">
   <p:cSld>
     <p:spTree>
@@ -6747,22 +9022,151 @@
   <p:clrMapOvr>
     <a:masterClrMapping/>
   </p:clrMapOvr>
-  <mc:AlternateContent xmlns:mc="http://schemas.openxmlformats.org/markup-compatibility/2006">
-    <mc:Choice xmlns:p14="http://schemas.microsoft.com/office/powerpoint/2010/main" Requires="p14">
+  <mc:AlternateContent xmlns:mc="http://schemas.openxmlformats.org/markup-compatibility/2006" xmlns:p14="http://schemas.microsoft.com/office/powerpoint/2010/main">
+    <mc:Choice Requires="p14">
       <p:transition spd="slow" p14:dur="1500">
         <p:split orient="vert"/>
       </p:transition>
     </mc:Choice>
-    <mc:Fallback>
+    <mc:Fallback xmlns="">
       <p:transition spd="slow">
         <p:split orient="vert"/>
       </p:transition>
     </mc:Fallback>
   </mc:AlternateContent>
+  <p:timing>
+    <p:tnLst>
+      <p:par>
+        <p:cTn id="1" dur="indefinite" restart="never" nodeType="tmRoot">
+          <p:childTnLst>
+            <p:seq concurrent="1" nextAc="seek">
+              <p:cTn id="2" dur="indefinite" nodeType="mainSeq">
+                <p:childTnLst>
+                  <p:par>
+                    <p:cTn id="3" fill="hold">
+                      <p:stCondLst>
+                        <p:cond delay="indefinite"/>
+                      </p:stCondLst>
+                      <p:childTnLst>
+                        <p:par>
+                          <p:cTn id="4" fill="hold">
+                            <p:stCondLst>
+                              <p:cond delay="0"/>
+                            </p:stCondLst>
+                            <p:childTnLst>
+                              <p:par>
+                                <p:cTn id="5" presetID="42" presetClass="entr" presetSubtype="0" fill="hold" nodeType="clickEffect">
+                                  <p:stCondLst>
+                                    <p:cond delay="0"/>
+                                  </p:stCondLst>
+                                  <p:childTnLst>
+                                    <p:set>
+                                      <p:cBhvr>
+                                        <p:cTn id="6" dur="1" fill="hold">
+                                          <p:stCondLst>
+                                            <p:cond delay="0"/>
+                                          </p:stCondLst>
+                                        </p:cTn>
+                                        <p:tgtEl>
+                                          <p:spTgt spid="4"/>
+                                        </p:tgtEl>
+                                        <p:attrNameLst>
+                                          <p:attrName>style.visibility</p:attrName>
+                                        </p:attrNameLst>
+                                      </p:cBhvr>
+                                      <p:to>
+                                        <p:strVal val="visible"/>
+                                      </p:to>
+                                    </p:set>
+                                    <p:animEffect transition="in" filter="fade">
+                                      <p:cBhvr>
+                                        <p:cTn id="7" dur="1000"/>
+                                        <p:tgtEl>
+                                          <p:spTgt spid="4"/>
+                                        </p:tgtEl>
+                                      </p:cBhvr>
+                                    </p:animEffect>
+                                    <p:anim calcmode="lin" valueType="num">
+                                      <p:cBhvr>
+                                        <p:cTn id="8" dur="1000" fill="hold"/>
+                                        <p:tgtEl>
+                                          <p:spTgt spid="4"/>
+                                        </p:tgtEl>
+                                        <p:attrNameLst>
+                                          <p:attrName>ppt_x</p:attrName>
+                                        </p:attrNameLst>
+                                      </p:cBhvr>
+                                      <p:tavLst>
+                                        <p:tav tm="0">
+                                          <p:val>
+                                            <p:strVal val="#ppt_x"/>
+                                          </p:val>
+                                        </p:tav>
+                                        <p:tav tm="100000">
+                                          <p:val>
+                                            <p:strVal val="#ppt_x"/>
+                                          </p:val>
+                                        </p:tav>
+                                      </p:tavLst>
+                                    </p:anim>
+                                    <p:anim calcmode="lin" valueType="num">
+                                      <p:cBhvr>
+                                        <p:cTn id="9" dur="1000" fill="hold"/>
+                                        <p:tgtEl>
+                                          <p:spTgt spid="4"/>
+                                        </p:tgtEl>
+                                        <p:attrNameLst>
+                                          <p:attrName>ppt_y</p:attrName>
+                                        </p:attrNameLst>
+                                      </p:cBhvr>
+                                      <p:tavLst>
+                                        <p:tav tm="0">
+                                          <p:val>
+                                            <p:strVal val="#ppt_y+.1"/>
+                                          </p:val>
+                                        </p:tav>
+                                        <p:tav tm="100000">
+                                          <p:val>
+                                            <p:strVal val="#ppt_y"/>
+                                          </p:val>
+                                        </p:tav>
+                                      </p:tavLst>
+                                    </p:anim>
+                                  </p:childTnLst>
+                                </p:cTn>
+                              </p:par>
+                            </p:childTnLst>
+                          </p:cTn>
+                        </p:par>
+                      </p:childTnLst>
+                    </p:cTn>
+                  </p:par>
+                </p:childTnLst>
+              </p:cTn>
+              <p:prevCondLst>
+                <p:cond evt="onPrev" delay="0">
+                  <p:tgtEl>
+                    <p:sldTgt/>
+                  </p:tgtEl>
+                </p:cond>
+              </p:prevCondLst>
+              <p:nextCondLst>
+                <p:cond evt="onNext" delay="0">
+                  <p:tgtEl>
+                    <p:sldTgt/>
+                  </p:tgtEl>
+                </p:cond>
+              </p:nextCondLst>
+            </p:seq>
+          </p:childTnLst>
+        </p:cTn>
+      </p:par>
+    </p:tnLst>
+  </p:timing>
 </p:sld>
 </file>
 
-<file path=ppt/slides/slide7.xml><?xml version="1.0" encoding="utf-8"?>
+<file path=ppt/slides/slide8.xml><?xml version="1.0" encoding="utf-8"?>
 <p:sld xmlns:a="http://schemas.openxmlformats.org/drawingml/2006/main" xmlns:r="http://schemas.openxmlformats.org/officeDocument/2006/relationships" xmlns:p="http://schemas.openxmlformats.org/presentationml/2006/main">
   <p:cSld>
     <p:spTree>
@@ -6874,22 +9278,151 @@
   <p:clrMapOvr>
     <a:masterClrMapping/>
   </p:clrMapOvr>
-  <mc:AlternateContent xmlns:mc="http://schemas.openxmlformats.org/markup-compatibility/2006">
-    <mc:Choice xmlns:p14="http://schemas.microsoft.com/office/powerpoint/2010/main" Requires="p14">
+  <mc:AlternateContent xmlns:mc="http://schemas.openxmlformats.org/markup-compatibility/2006" xmlns:p14="http://schemas.microsoft.com/office/powerpoint/2010/main">
+    <mc:Choice Requires="p14">
       <p:transition spd="slow" p14:dur="1500">
         <p:split orient="vert"/>
       </p:transition>
     </mc:Choice>
-    <mc:Fallback>
+    <mc:Fallback xmlns="">
       <p:transition spd="slow">
         <p:split orient="vert"/>
       </p:transition>
     </mc:Fallback>
   </mc:AlternateContent>
+  <p:timing>
+    <p:tnLst>
+      <p:par>
+        <p:cTn id="1" dur="indefinite" restart="never" nodeType="tmRoot">
+          <p:childTnLst>
+            <p:seq concurrent="1" nextAc="seek">
+              <p:cTn id="2" dur="indefinite" nodeType="mainSeq">
+                <p:childTnLst>
+                  <p:par>
+                    <p:cTn id="3" fill="hold">
+                      <p:stCondLst>
+                        <p:cond delay="indefinite"/>
+                      </p:stCondLst>
+                      <p:childTnLst>
+                        <p:par>
+                          <p:cTn id="4" fill="hold">
+                            <p:stCondLst>
+                              <p:cond delay="0"/>
+                            </p:stCondLst>
+                            <p:childTnLst>
+                              <p:par>
+                                <p:cTn id="5" presetID="42" presetClass="entr" presetSubtype="0" fill="hold" nodeType="clickEffect">
+                                  <p:stCondLst>
+                                    <p:cond delay="0"/>
+                                  </p:stCondLst>
+                                  <p:childTnLst>
+                                    <p:set>
+                                      <p:cBhvr>
+                                        <p:cTn id="6" dur="1" fill="hold">
+                                          <p:stCondLst>
+                                            <p:cond delay="0"/>
+                                          </p:stCondLst>
+                                        </p:cTn>
+                                        <p:tgtEl>
+                                          <p:spTgt spid="5"/>
+                                        </p:tgtEl>
+                                        <p:attrNameLst>
+                                          <p:attrName>style.visibility</p:attrName>
+                                        </p:attrNameLst>
+                                      </p:cBhvr>
+                                      <p:to>
+                                        <p:strVal val="visible"/>
+                                      </p:to>
+                                    </p:set>
+                                    <p:animEffect transition="in" filter="fade">
+                                      <p:cBhvr>
+                                        <p:cTn id="7" dur="1000"/>
+                                        <p:tgtEl>
+                                          <p:spTgt spid="5"/>
+                                        </p:tgtEl>
+                                      </p:cBhvr>
+                                    </p:animEffect>
+                                    <p:anim calcmode="lin" valueType="num">
+                                      <p:cBhvr>
+                                        <p:cTn id="8" dur="1000" fill="hold"/>
+                                        <p:tgtEl>
+                                          <p:spTgt spid="5"/>
+                                        </p:tgtEl>
+                                        <p:attrNameLst>
+                                          <p:attrName>ppt_x</p:attrName>
+                                        </p:attrNameLst>
+                                      </p:cBhvr>
+                                      <p:tavLst>
+                                        <p:tav tm="0">
+                                          <p:val>
+                                            <p:strVal val="#ppt_x"/>
+                                          </p:val>
+                                        </p:tav>
+                                        <p:tav tm="100000">
+                                          <p:val>
+                                            <p:strVal val="#ppt_x"/>
+                                          </p:val>
+                                        </p:tav>
+                                      </p:tavLst>
+                                    </p:anim>
+                                    <p:anim calcmode="lin" valueType="num">
+                                      <p:cBhvr>
+                                        <p:cTn id="9" dur="1000" fill="hold"/>
+                                        <p:tgtEl>
+                                          <p:spTgt spid="5"/>
+                                        </p:tgtEl>
+                                        <p:attrNameLst>
+                                          <p:attrName>ppt_y</p:attrName>
+                                        </p:attrNameLst>
+                                      </p:cBhvr>
+                                      <p:tavLst>
+                                        <p:tav tm="0">
+                                          <p:val>
+                                            <p:strVal val="#ppt_y+.1"/>
+                                          </p:val>
+                                        </p:tav>
+                                        <p:tav tm="100000">
+                                          <p:val>
+                                            <p:strVal val="#ppt_y"/>
+                                          </p:val>
+                                        </p:tav>
+                                      </p:tavLst>
+                                    </p:anim>
+                                  </p:childTnLst>
+                                </p:cTn>
+                              </p:par>
+                            </p:childTnLst>
+                          </p:cTn>
+                        </p:par>
+                      </p:childTnLst>
+                    </p:cTn>
+                  </p:par>
+                </p:childTnLst>
+              </p:cTn>
+              <p:prevCondLst>
+                <p:cond evt="onPrev" delay="0">
+                  <p:tgtEl>
+                    <p:sldTgt/>
+                  </p:tgtEl>
+                </p:cond>
+              </p:prevCondLst>
+              <p:nextCondLst>
+                <p:cond evt="onNext" delay="0">
+                  <p:tgtEl>
+                    <p:sldTgt/>
+                  </p:tgtEl>
+                </p:cond>
+              </p:nextCondLst>
+            </p:seq>
+          </p:childTnLst>
+        </p:cTn>
+      </p:par>
+    </p:tnLst>
+  </p:timing>
 </p:sld>
 </file>
 
-<file path=ppt/slides/slide8.xml><?xml version="1.0" encoding="utf-8"?>
+<file path=ppt/slides/slide9.xml><?xml version="1.0" encoding="utf-8"?>
 <p:sld xmlns:a="http://schemas.openxmlformats.org/drawingml/2006/main" xmlns:r="http://schemas.openxmlformats.org/officeDocument/2006/relationships" xmlns:p="http://schemas.openxmlformats.org/presentationml/2006/main">
   <p:cSld>
     <p:spTree>
@@ -7001,240 +9534,147 @@
   <p:clrMapOvr>
     <a:masterClrMapping/>
   </p:clrMapOvr>
-  <mc:AlternateContent xmlns:mc="http://schemas.openxmlformats.org/markup-compatibility/2006">
-    <mc:Choice xmlns:p14="http://schemas.microsoft.com/office/powerpoint/2010/main" Requires="p14">
+  <mc:AlternateContent xmlns:mc="http://schemas.openxmlformats.org/markup-compatibility/2006" xmlns:p14="http://schemas.microsoft.com/office/powerpoint/2010/main">
+    <mc:Choice Requires="p14">
       <p:transition spd="slow" p14:dur="1500">
         <p:split orient="vert"/>
       </p:transition>
     </mc:Choice>
-    <mc:Fallback>
+    <mc:Fallback xmlns="">
       <p:transition spd="slow">
         <p:split orient="vert"/>
       </p:transition>
     </mc:Fallback>
   </mc:AlternateContent>
-</p:sld>
-</file>
-
-<file path=ppt/slides/slide9.xml><?xml version="1.0" encoding="utf-8"?>
-<p:sld xmlns:a="http://schemas.openxmlformats.org/drawingml/2006/main" xmlns:r="http://schemas.openxmlformats.org/officeDocument/2006/relationships" xmlns:p="http://schemas.openxmlformats.org/presentationml/2006/main">
-  <p:cSld>
-    <p:spTree>
-      <p:nvGrpSpPr>
-        <p:cNvPr id="1" name=""/>
-        <p:cNvGrpSpPr/>
-        <p:nvPr/>
-      </p:nvGrpSpPr>
-      <p:grpSpPr>
-        <a:xfrm>
-          <a:off x="0" y="0"/>
-          <a:ext cx="0" cy="0"/>
-          <a:chOff x="0" y="0"/>
-          <a:chExt cx="0" cy="0"/>
-        </a:xfrm>
-      </p:grpSpPr>
-      <p:sp>
-        <p:nvSpPr>
-          <p:cNvPr id="2" name="Title 1">
-            <a:extLst>
-              <a:ext uri="{FF2B5EF4-FFF2-40B4-BE49-F238E27FC236}">
-                <a16:creationId xmlns:a16="http://schemas.microsoft.com/office/drawing/2014/main" id="{F1B581D7-8D60-4493-9524-E52A84A72BE0}"/>
-              </a:ext>
-            </a:extLst>
-          </p:cNvPr>
-          <p:cNvSpPr>
-            <a:spLocks noGrp="1"/>
-          </p:cNvSpPr>
-          <p:nvPr>
-            <p:ph type="title"/>
-          </p:nvPr>
-        </p:nvSpPr>
-        <p:spPr/>
-        <p:txBody>
-          <a:bodyPr>
-            <a:normAutofit/>
-          </a:bodyPr>
-          <a:lstStyle/>
-          <a:p>
-            <a:r>
-              <a:rPr lang="hr-HR" sz="3500" dirty="0">
-                <a:latin typeface="Arial" panose="020B0604020202020204" pitchFamily="34" charset="0"/>
-                <a:cs typeface="Arial" panose="020B0604020202020204" pitchFamily="34" charset="0"/>
-              </a:rPr>
-              <a:t>Zaključak</a:t>
-            </a:r>
-          </a:p>
-        </p:txBody>
-      </p:sp>
-      <p:sp>
-        <p:nvSpPr>
-          <p:cNvPr id="3" name="Content Placeholder 2">
-            <a:extLst>
-              <a:ext uri="{FF2B5EF4-FFF2-40B4-BE49-F238E27FC236}">
-                <a16:creationId xmlns:a16="http://schemas.microsoft.com/office/drawing/2014/main" id="{241A8D7B-A14C-C41F-1785-DE130D423972}"/>
-              </a:ext>
-            </a:extLst>
-          </p:cNvPr>
-          <p:cNvSpPr>
-            <a:spLocks noGrp="1"/>
-          </p:cNvSpPr>
-          <p:nvPr>
-            <p:ph sz="half" idx="1"/>
-          </p:nvPr>
-        </p:nvSpPr>
-        <p:spPr/>
-        <p:txBody>
-          <a:bodyPr/>
-          <a:lstStyle/>
-          <a:p>
-            <a:pPr marL="360000" indent="-360000">
-              <a:lnSpc>
-                <a:spcPct val="150000"/>
-              </a:lnSpc>
-            </a:pPr>
-            <a:r>
-              <a:rPr lang="hr-HR" dirty="0">
-                <a:latin typeface="Arial" panose="020B0604020202020204" pitchFamily="34" charset="0"/>
-                <a:cs typeface="Arial" panose="020B0604020202020204" pitchFamily="34" charset="0"/>
-              </a:rPr>
-              <a:t>PREDNOSTI</a:t>
-            </a:r>
-          </a:p>
-          <a:p>
-            <a:pPr marL="817200" lvl="1" indent="-360000">
-              <a:lnSpc>
-                <a:spcPct val="150000"/>
-              </a:lnSpc>
-            </a:pPr>
-            <a:r>
-              <a:rPr lang="hr-HR" sz="1600" dirty="0">
-                <a:latin typeface="Arial" panose="020B0604020202020204" pitchFamily="34" charset="0"/>
-                <a:cs typeface="Arial" panose="020B0604020202020204" pitchFamily="34" charset="0"/>
-              </a:rPr>
-              <a:t>Interpretabilan pristup</a:t>
-            </a:r>
-          </a:p>
-          <a:p>
-            <a:pPr marL="817200" lvl="1" indent="-360000">
-              <a:lnSpc>
-                <a:spcPct val="150000"/>
-              </a:lnSpc>
-            </a:pPr>
-            <a:r>
-              <a:rPr lang="hr-HR" sz="1600" dirty="0">
-                <a:latin typeface="Arial" panose="020B0604020202020204" pitchFamily="34" charset="0"/>
-                <a:cs typeface="Arial" panose="020B0604020202020204" pitchFamily="34" charset="0"/>
-              </a:rPr>
-              <a:t>Jednostavna implementacija</a:t>
-            </a:r>
-          </a:p>
-          <a:p>
-            <a:pPr marL="817200" lvl="1" indent="-360000">
-              <a:lnSpc>
-                <a:spcPct val="150000"/>
-              </a:lnSpc>
-            </a:pPr>
-            <a:r>
-              <a:rPr lang="hr-HR" sz="1600" dirty="0">
-                <a:latin typeface="Arial" panose="020B0604020202020204" pitchFamily="34" charset="0"/>
-                <a:cs typeface="Arial" panose="020B0604020202020204" pitchFamily="34" charset="0"/>
-              </a:rPr>
-              <a:t>Bez potrebnog učenja</a:t>
-            </a:r>
-          </a:p>
-        </p:txBody>
-      </p:sp>
-      <p:sp>
-        <p:nvSpPr>
-          <p:cNvPr id="4" name="Content Placeholder 3">
-            <a:extLst>
-              <a:ext uri="{FF2B5EF4-FFF2-40B4-BE49-F238E27FC236}">
-                <a16:creationId xmlns:a16="http://schemas.microsoft.com/office/drawing/2014/main" id="{618D94E1-3319-46A5-9E67-2E2CCDDBA587}"/>
-              </a:ext>
-            </a:extLst>
-          </p:cNvPr>
-          <p:cNvSpPr>
-            <a:spLocks noGrp="1"/>
-          </p:cNvSpPr>
-          <p:nvPr>
-            <p:ph sz="half" idx="2"/>
-          </p:nvPr>
-        </p:nvSpPr>
-        <p:spPr/>
-        <p:txBody>
-          <a:bodyPr/>
-          <a:lstStyle/>
-          <a:p>
-            <a:pPr marL="360000" indent="-360000">
-              <a:lnSpc>
-                <a:spcPct val="150000"/>
-              </a:lnSpc>
-            </a:pPr>
-            <a:r>
-              <a:rPr lang="hr-HR" dirty="0">
-                <a:latin typeface="Arial" panose="020B0604020202020204" pitchFamily="34" charset="0"/>
-                <a:cs typeface="Arial" panose="020B0604020202020204" pitchFamily="34" charset="0"/>
-              </a:rPr>
-              <a:t>NEDOSTATCI</a:t>
-            </a:r>
-          </a:p>
-          <a:p>
-            <a:pPr marL="817200" lvl="1" indent="-360000">
-              <a:lnSpc>
-                <a:spcPct val="150000"/>
-              </a:lnSpc>
-            </a:pPr>
-            <a:r>
-              <a:rPr lang="hr-HR" sz="1600" dirty="0">
-                <a:latin typeface="Arial" panose="020B0604020202020204" pitchFamily="34" charset="0"/>
-                <a:cs typeface="Arial" panose="020B0604020202020204" pitchFamily="34" charset="0"/>
-              </a:rPr>
-              <a:t>Slaba generalizacija</a:t>
-            </a:r>
-          </a:p>
-          <a:p>
-            <a:pPr marL="817200" lvl="1" indent="-360000">
-              <a:lnSpc>
-                <a:spcPct val="150000"/>
-              </a:lnSpc>
-            </a:pPr>
-            <a:r>
-              <a:rPr lang="hr-HR" sz="1600" dirty="0">
-                <a:latin typeface="Arial" panose="020B0604020202020204" pitchFamily="34" charset="0"/>
-                <a:cs typeface="Arial" panose="020B0604020202020204" pitchFamily="34" charset="0"/>
-              </a:rPr>
-              <a:t>Ručno podešavanje</a:t>
-            </a:r>
-          </a:p>
-          <a:p>
-            <a:pPr marL="817200" lvl="1" indent="-360000">
-              <a:lnSpc>
-                <a:spcPct val="150000"/>
-              </a:lnSpc>
-            </a:pPr>
-            <a:r>
-              <a:rPr lang="hr-HR" sz="1600" dirty="0">
-                <a:latin typeface="Arial" panose="020B0604020202020204" pitchFamily="34" charset="0"/>
-                <a:cs typeface="Arial" panose="020B0604020202020204" pitchFamily="34" charset="0"/>
-              </a:rPr>
-              <a:t>Osjetljiv na parametre</a:t>
-            </a:r>
-          </a:p>
-        </p:txBody>
-      </p:sp>
-    </p:spTree>
-    <p:extLst>
-      <p:ext uri="{BB962C8B-B14F-4D97-AF65-F5344CB8AC3E}">
-        <p14:creationId xmlns:p14="http://schemas.microsoft.com/office/powerpoint/2010/main" val="135785134"/>
-      </p:ext>
-    </p:extLst>
-  </p:cSld>
-  <p:clrMapOvr>
-    <a:masterClrMapping/>
-  </p:clrMapOvr>
-  <p:transition spd="slow">
-    <p:wipe/>
-  </p:transition>
+  <p:timing>
+    <p:tnLst>
+      <p:par>
+        <p:cTn id="1" dur="indefinite" restart="never" nodeType="tmRoot">
+          <p:childTnLst>
+            <p:seq concurrent="1" nextAc="seek">
+              <p:cTn id="2" dur="indefinite" nodeType="mainSeq">
+                <p:childTnLst>
+                  <p:par>
+                    <p:cTn id="3" fill="hold">
+                      <p:stCondLst>
+                        <p:cond delay="indefinite"/>
+                      </p:stCondLst>
+                      <p:childTnLst>
+                        <p:par>
+                          <p:cTn id="4" fill="hold">
+                            <p:stCondLst>
+                              <p:cond delay="0"/>
+                            </p:stCondLst>
+                            <p:childTnLst>
+                              <p:par>
+                                <p:cTn id="5" presetID="42" presetClass="entr" presetSubtype="0" fill="hold" nodeType="clickEffect">
+                                  <p:stCondLst>
+                                    <p:cond delay="0"/>
+                                  </p:stCondLst>
+                                  <p:childTnLst>
+                                    <p:set>
+                                      <p:cBhvr>
+                                        <p:cTn id="6" dur="1" fill="hold">
+                                          <p:stCondLst>
+                                            <p:cond delay="0"/>
+                                          </p:stCondLst>
+                                        </p:cTn>
+                                        <p:tgtEl>
+                                          <p:spTgt spid="5"/>
+                                        </p:tgtEl>
+                                        <p:attrNameLst>
+                                          <p:attrName>style.visibility</p:attrName>
+                                        </p:attrNameLst>
+                                      </p:cBhvr>
+                                      <p:to>
+                                        <p:strVal val="visible"/>
+                                      </p:to>
+                                    </p:set>
+                                    <p:animEffect transition="in" filter="fade">
+                                      <p:cBhvr>
+                                        <p:cTn id="7" dur="1000"/>
+                                        <p:tgtEl>
+                                          <p:spTgt spid="5"/>
+                                        </p:tgtEl>
+                                      </p:cBhvr>
+                                    </p:animEffect>
+                                    <p:anim calcmode="lin" valueType="num">
+                                      <p:cBhvr>
+                                        <p:cTn id="8" dur="1000" fill="hold"/>
+                                        <p:tgtEl>
+                                          <p:spTgt spid="5"/>
+                                        </p:tgtEl>
+                                        <p:attrNameLst>
+                                          <p:attrName>ppt_x</p:attrName>
+                                        </p:attrNameLst>
+                                      </p:cBhvr>
+                                      <p:tavLst>
+                                        <p:tav tm="0">
+                                          <p:val>
+                                            <p:strVal val="#ppt_x"/>
+                                          </p:val>
+                                        </p:tav>
+                                        <p:tav tm="100000">
+                                          <p:val>
+                                            <p:strVal val="#ppt_x"/>
+                                          </p:val>
+                                        </p:tav>
+                                      </p:tavLst>
+                                    </p:anim>
+                                    <p:anim calcmode="lin" valueType="num">
+                                      <p:cBhvr>
+                                        <p:cTn id="9" dur="1000" fill="hold"/>
+                                        <p:tgtEl>
+                                          <p:spTgt spid="5"/>
+                                        </p:tgtEl>
+                                        <p:attrNameLst>
+                                          <p:attrName>ppt_y</p:attrName>
+                                        </p:attrNameLst>
+                                      </p:cBhvr>
+                                      <p:tavLst>
+                                        <p:tav tm="0">
+                                          <p:val>
+                                            <p:strVal val="#ppt_y+.1"/>
+                                          </p:val>
+                                        </p:tav>
+                                        <p:tav tm="100000">
+                                          <p:val>
+                                            <p:strVal val="#ppt_y"/>
+                                          </p:val>
+                                        </p:tav>
+                                      </p:tavLst>
+                                    </p:anim>
+                                  </p:childTnLst>
+                                </p:cTn>
+                              </p:par>
+                            </p:childTnLst>
+                          </p:cTn>
+                        </p:par>
+                      </p:childTnLst>
+                    </p:cTn>
+                  </p:par>
+                </p:childTnLst>
+              </p:cTn>
+              <p:prevCondLst>
+                <p:cond evt="onPrev" delay="0">
+                  <p:tgtEl>
+                    <p:sldTgt/>
+                  </p:tgtEl>
+                </p:cond>
+              </p:prevCondLst>
+              <p:nextCondLst>
+                <p:cond evt="onNext" delay="0">
+                  <p:tgtEl>
+                    <p:sldTgt/>
+                  </p:tgtEl>
+                </p:cond>
+              </p:nextCondLst>
+            </p:seq>
+          </p:childTnLst>
+        </p:cTn>
+      </p:par>
+    </p:tnLst>
+  </p:timing>
 </p:sld>
 </file>
 
